--- a/pageDesign.pptx
+++ b/pageDesign.pptx
@@ -11,6 +11,7 @@
     <p:sldId id="260" r:id="rId6"/>
     <p:sldId id="259" r:id="rId7"/>
     <p:sldId id="262" r:id="rId8"/>
+    <p:sldId id="265" r:id="rId9"/>
   </p:sldIdLst>
   <p:sldSz cx="12192000" cy="6858000"/>
   <p:notesSz cx="6858000" cy="9144000"/>
@@ -4782,6 +4783,896 @@
 </p:sld>
 </file>
 
+<file path=ppt/slides/slide7.xml><?xml version="1.0" encoding="utf-8"?>
+<p:sld xmlns:a="http://schemas.openxmlformats.org/drawingml/2006/main" xmlns:r="http://schemas.openxmlformats.org/officeDocument/2006/relationships" xmlns:p="http://schemas.openxmlformats.org/presentationml/2006/main">
+  <p:cSld>
+    <p:spTree>
+      <p:nvGrpSpPr>
+        <p:cNvPr id="1" name=""/>
+        <p:cNvGrpSpPr/>
+        <p:nvPr/>
+      </p:nvGrpSpPr>
+      <p:grpSpPr/>
+      <p:pic>
+        <p:nvPicPr>
+          <p:cNvPr id="2" name="图片 1" descr="~OF$Z@[T5@WKIX`)@KLX530"/>
+          <p:cNvPicPr>
+            <a:picLocks noChangeAspect="1"/>
+          </p:cNvPicPr>
+          <p:nvPr/>
+        </p:nvPicPr>
+        <p:blipFill>
+          <a:blip r:embed="rId1"/>
+          <a:stretch>
+            <a:fillRect/>
+          </a:stretch>
+        </p:blipFill>
+        <p:spPr>
+          <a:xfrm>
+            <a:off x="1527810" y="580390"/>
+            <a:ext cx="9135745" cy="5696585"/>
+          </a:xfrm>
+          <a:prstGeom prst="rect">
+            <a:avLst/>
+          </a:prstGeom>
+        </p:spPr>
+      </p:pic>
+      <p:sp>
+        <p:nvSpPr>
+          <p:cNvPr id="3" name="文本框 2"/>
+          <p:cNvSpPr txBox="1"/>
+          <p:nvPr/>
+        </p:nvSpPr>
+        <p:spPr>
+          <a:xfrm>
+            <a:off x="2924175" y="-62230"/>
+            <a:ext cx="7513955" cy="1861185"/>
+          </a:xfrm>
+          <a:prstGeom prst="rect">
+            <a:avLst/>
+          </a:prstGeom>
+          <a:noFill/>
+        </p:spPr>
+        <p:txBody>
+          <a:bodyPr wrap="none" rtlCol="0">
+            <a:spAutoFit/>
+          </a:bodyPr>
+          <a:p>
+            <a:r>
+              <a:rPr lang="zh-CN" altLang="en-US" sz="11500" b="1"/>
+              <a:t>点菜专用图</a:t>
+            </a:r>
+            <a:endParaRPr lang="zh-CN" altLang="en-US" sz="11500" b="1"/>
+          </a:p>
+        </p:txBody>
+      </p:sp>
+      <p:sp>
+        <p:nvSpPr>
+          <p:cNvPr id="4" name="文本框 3"/>
+          <p:cNvSpPr txBox="1"/>
+          <p:nvPr/>
+        </p:nvSpPr>
+        <p:spPr>
+          <a:xfrm>
+            <a:off x="4101465" y="3244850"/>
+            <a:ext cx="1900555" cy="829945"/>
+          </a:xfrm>
+          <a:prstGeom prst="rect">
+            <a:avLst/>
+          </a:prstGeom>
+          <a:noFill/>
+        </p:spPr>
+        <p:txBody>
+          <a:bodyPr wrap="square" rtlCol="0" anchor="t">
+            <a:spAutoFit/>
+          </a:bodyPr>
+          <a:p>
+            <a:r>
+              <a:rPr lang="zh-CN" altLang="en-US" sz="4800" b="1">
+                <a:solidFill>
+                  <a:schemeClr val="tx1"/>
+                </a:solidFill>
+                <a:sym typeface="+mn-ea"/>
+              </a:rPr>
+              <a:t>点菜</a:t>
+            </a:r>
+            <a:endParaRPr lang="zh-CN" altLang="en-US" sz="4800" b="1">
+              <a:solidFill>
+                <a:schemeClr val="tx1"/>
+              </a:solidFill>
+              <a:sym typeface="+mn-ea"/>
+            </a:endParaRPr>
+          </a:p>
+        </p:txBody>
+      </p:sp>
+      <p:sp>
+        <p:nvSpPr>
+          <p:cNvPr id="5" name="文本框 4"/>
+          <p:cNvSpPr txBox="1"/>
+          <p:nvPr/>
+        </p:nvSpPr>
+        <p:spPr>
+          <a:xfrm>
+            <a:off x="4228465" y="3371850"/>
+            <a:ext cx="1900555" cy="829945"/>
+          </a:xfrm>
+          <a:prstGeom prst="rect">
+            <a:avLst/>
+          </a:prstGeom>
+          <a:noFill/>
+        </p:spPr>
+        <p:txBody>
+          <a:bodyPr wrap="square" rtlCol="0" anchor="t">
+            <a:spAutoFit/>
+          </a:bodyPr>
+          <a:p>
+            <a:r>
+              <a:rPr lang="zh-CN" altLang="en-US" sz="4800" b="1">
+                <a:solidFill>
+                  <a:schemeClr val="tx1"/>
+                </a:solidFill>
+                <a:sym typeface="+mn-ea"/>
+              </a:rPr>
+              <a:t>点菜</a:t>
+            </a:r>
+            <a:endParaRPr lang="zh-CN" altLang="en-US" sz="4800" b="1">
+              <a:solidFill>
+                <a:schemeClr val="tx1"/>
+              </a:solidFill>
+              <a:sym typeface="+mn-ea"/>
+            </a:endParaRPr>
+          </a:p>
+        </p:txBody>
+      </p:sp>
+      <p:sp>
+        <p:nvSpPr>
+          <p:cNvPr id="6" name="文本框 5"/>
+          <p:cNvSpPr txBox="1"/>
+          <p:nvPr/>
+        </p:nvSpPr>
+        <p:spPr>
+          <a:xfrm>
+            <a:off x="4355465" y="3498850"/>
+            <a:ext cx="1900555" cy="829945"/>
+          </a:xfrm>
+          <a:prstGeom prst="rect">
+            <a:avLst/>
+          </a:prstGeom>
+          <a:noFill/>
+        </p:spPr>
+        <p:txBody>
+          <a:bodyPr wrap="square" rtlCol="0" anchor="t">
+            <a:spAutoFit/>
+          </a:bodyPr>
+          <a:p>
+            <a:r>
+              <a:rPr lang="zh-CN" altLang="en-US" sz="4800" b="1">
+                <a:solidFill>
+                  <a:schemeClr val="tx1"/>
+                </a:solidFill>
+                <a:sym typeface="+mn-ea"/>
+              </a:rPr>
+              <a:t>点菜</a:t>
+            </a:r>
+            <a:endParaRPr lang="zh-CN" altLang="en-US" sz="4800" b="1">
+              <a:solidFill>
+                <a:schemeClr val="tx1"/>
+              </a:solidFill>
+              <a:sym typeface="+mn-ea"/>
+            </a:endParaRPr>
+          </a:p>
+        </p:txBody>
+      </p:sp>
+      <p:sp>
+        <p:nvSpPr>
+          <p:cNvPr id="7" name="文本框 6"/>
+          <p:cNvSpPr txBox="1"/>
+          <p:nvPr/>
+        </p:nvSpPr>
+        <p:spPr>
+          <a:xfrm>
+            <a:off x="4482465" y="3625850"/>
+            <a:ext cx="1900555" cy="829945"/>
+          </a:xfrm>
+          <a:prstGeom prst="rect">
+            <a:avLst/>
+          </a:prstGeom>
+          <a:noFill/>
+        </p:spPr>
+        <p:txBody>
+          <a:bodyPr wrap="square" rtlCol="0" anchor="t">
+            <a:spAutoFit/>
+          </a:bodyPr>
+          <a:p>
+            <a:r>
+              <a:rPr lang="zh-CN" altLang="en-US" sz="4800" b="1">
+                <a:solidFill>
+                  <a:schemeClr val="tx1"/>
+                </a:solidFill>
+                <a:sym typeface="+mn-ea"/>
+              </a:rPr>
+              <a:t>点菜</a:t>
+            </a:r>
+            <a:endParaRPr lang="zh-CN" altLang="en-US" sz="4800" b="1">
+              <a:solidFill>
+                <a:schemeClr val="tx1"/>
+              </a:solidFill>
+              <a:sym typeface="+mn-ea"/>
+            </a:endParaRPr>
+          </a:p>
+        </p:txBody>
+      </p:sp>
+      <p:sp>
+        <p:nvSpPr>
+          <p:cNvPr id="8" name="文本框 7"/>
+          <p:cNvSpPr txBox="1"/>
+          <p:nvPr/>
+        </p:nvSpPr>
+        <p:spPr>
+          <a:xfrm>
+            <a:off x="4609465" y="3752850"/>
+            <a:ext cx="1900555" cy="829945"/>
+          </a:xfrm>
+          <a:prstGeom prst="rect">
+            <a:avLst/>
+          </a:prstGeom>
+          <a:noFill/>
+        </p:spPr>
+        <p:txBody>
+          <a:bodyPr wrap="square" rtlCol="0" anchor="t">
+            <a:spAutoFit/>
+          </a:bodyPr>
+          <a:p>
+            <a:r>
+              <a:rPr lang="zh-CN" altLang="en-US" sz="4800" b="1">
+                <a:solidFill>
+                  <a:schemeClr val="tx1"/>
+                </a:solidFill>
+                <a:sym typeface="+mn-ea"/>
+              </a:rPr>
+              <a:t>点菜</a:t>
+            </a:r>
+            <a:endParaRPr lang="zh-CN" altLang="en-US" sz="4800" b="1">
+              <a:solidFill>
+                <a:schemeClr val="tx1"/>
+              </a:solidFill>
+              <a:sym typeface="+mn-ea"/>
+            </a:endParaRPr>
+          </a:p>
+        </p:txBody>
+      </p:sp>
+      <p:sp>
+        <p:nvSpPr>
+          <p:cNvPr id="9" name="文本框 8"/>
+          <p:cNvSpPr txBox="1"/>
+          <p:nvPr/>
+        </p:nvSpPr>
+        <p:spPr>
+          <a:xfrm>
+            <a:off x="4736465" y="3879850"/>
+            <a:ext cx="1900555" cy="829945"/>
+          </a:xfrm>
+          <a:prstGeom prst="rect">
+            <a:avLst/>
+          </a:prstGeom>
+          <a:noFill/>
+        </p:spPr>
+        <p:txBody>
+          <a:bodyPr wrap="square" rtlCol="0" anchor="t">
+            <a:spAutoFit/>
+          </a:bodyPr>
+          <a:p>
+            <a:r>
+              <a:rPr lang="zh-CN" altLang="en-US" sz="4800" b="1">
+                <a:solidFill>
+                  <a:schemeClr val="tx1"/>
+                </a:solidFill>
+                <a:sym typeface="+mn-ea"/>
+              </a:rPr>
+              <a:t>点菜</a:t>
+            </a:r>
+            <a:endParaRPr lang="zh-CN" altLang="en-US" sz="4800" b="1">
+              <a:solidFill>
+                <a:schemeClr val="tx1"/>
+              </a:solidFill>
+              <a:sym typeface="+mn-ea"/>
+            </a:endParaRPr>
+          </a:p>
+        </p:txBody>
+      </p:sp>
+      <p:sp>
+        <p:nvSpPr>
+          <p:cNvPr id="10" name="文本框 9"/>
+          <p:cNvSpPr txBox="1"/>
+          <p:nvPr/>
+        </p:nvSpPr>
+        <p:spPr>
+          <a:xfrm>
+            <a:off x="4863465" y="4006850"/>
+            <a:ext cx="1900555" cy="829945"/>
+          </a:xfrm>
+          <a:prstGeom prst="rect">
+            <a:avLst/>
+          </a:prstGeom>
+          <a:noFill/>
+        </p:spPr>
+        <p:txBody>
+          <a:bodyPr wrap="square" rtlCol="0" anchor="t">
+            <a:spAutoFit/>
+          </a:bodyPr>
+          <a:p>
+            <a:r>
+              <a:rPr lang="zh-CN" altLang="en-US" sz="4800" b="1">
+                <a:solidFill>
+                  <a:schemeClr val="tx1"/>
+                </a:solidFill>
+                <a:sym typeface="+mn-ea"/>
+              </a:rPr>
+              <a:t>点菜</a:t>
+            </a:r>
+            <a:endParaRPr lang="zh-CN" altLang="en-US" sz="4800" b="1">
+              <a:solidFill>
+                <a:schemeClr val="tx1"/>
+              </a:solidFill>
+              <a:sym typeface="+mn-ea"/>
+            </a:endParaRPr>
+          </a:p>
+        </p:txBody>
+      </p:sp>
+      <p:sp>
+        <p:nvSpPr>
+          <p:cNvPr id="11" name="文本框 10"/>
+          <p:cNvSpPr txBox="1"/>
+          <p:nvPr/>
+        </p:nvSpPr>
+        <p:spPr>
+          <a:xfrm>
+            <a:off x="4990465" y="4133850"/>
+            <a:ext cx="1900555" cy="829945"/>
+          </a:xfrm>
+          <a:prstGeom prst="rect">
+            <a:avLst/>
+          </a:prstGeom>
+          <a:noFill/>
+        </p:spPr>
+        <p:txBody>
+          <a:bodyPr wrap="square" rtlCol="0" anchor="t">
+            <a:spAutoFit/>
+          </a:bodyPr>
+          <a:p>
+            <a:r>
+              <a:rPr lang="zh-CN" altLang="en-US" sz="4800" b="1">
+                <a:solidFill>
+                  <a:schemeClr val="tx1"/>
+                </a:solidFill>
+                <a:sym typeface="+mn-ea"/>
+              </a:rPr>
+              <a:t>点菜</a:t>
+            </a:r>
+            <a:endParaRPr lang="zh-CN" altLang="en-US" sz="4800" b="1">
+              <a:solidFill>
+                <a:schemeClr val="tx1"/>
+              </a:solidFill>
+              <a:sym typeface="+mn-ea"/>
+            </a:endParaRPr>
+          </a:p>
+        </p:txBody>
+      </p:sp>
+      <p:sp>
+        <p:nvSpPr>
+          <p:cNvPr id="12" name="文本框 11"/>
+          <p:cNvSpPr txBox="1"/>
+          <p:nvPr/>
+        </p:nvSpPr>
+        <p:spPr>
+          <a:xfrm>
+            <a:off x="5117465" y="4260850"/>
+            <a:ext cx="1900555" cy="829945"/>
+          </a:xfrm>
+          <a:prstGeom prst="rect">
+            <a:avLst/>
+          </a:prstGeom>
+          <a:noFill/>
+        </p:spPr>
+        <p:txBody>
+          <a:bodyPr wrap="square" rtlCol="0" anchor="t">
+            <a:spAutoFit/>
+          </a:bodyPr>
+          <a:p>
+            <a:r>
+              <a:rPr lang="zh-CN" altLang="en-US" sz="4800" b="1">
+                <a:solidFill>
+                  <a:schemeClr val="tx1"/>
+                </a:solidFill>
+                <a:sym typeface="+mn-ea"/>
+              </a:rPr>
+              <a:t>点菜</a:t>
+            </a:r>
+            <a:endParaRPr lang="zh-CN" altLang="en-US" sz="4800" b="1">
+              <a:solidFill>
+                <a:schemeClr val="tx1"/>
+              </a:solidFill>
+              <a:sym typeface="+mn-ea"/>
+            </a:endParaRPr>
+          </a:p>
+        </p:txBody>
+      </p:sp>
+      <p:sp>
+        <p:nvSpPr>
+          <p:cNvPr id="13" name="文本框 12"/>
+          <p:cNvSpPr txBox="1"/>
+          <p:nvPr/>
+        </p:nvSpPr>
+        <p:spPr>
+          <a:xfrm>
+            <a:off x="5244465" y="4387850"/>
+            <a:ext cx="1900555" cy="829945"/>
+          </a:xfrm>
+          <a:prstGeom prst="rect">
+            <a:avLst/>
+          </a:prstGeom>
+          <a:noFill/>
+        </p:spPr>
+        <p:txBody>
+          <a:bodyPr wrap="square" rtlCol="0" anchor="t">
+            <a:spAutoFit/>
+          </a:bodyPr>
+          <a:p>
+            <a:r>
+              <a:rPr lang="zh-CN" altLang="en-US" sz="4800" b="1">
+                <a:solidFill>
+                  <a:schemeClr val="tx1"/>
+                </a:solidFill>
+                <a:sym typeface="+mn-ea"/>
+              </a:rPr>
+              <a:t>点菜</a:t>
+            </a:r>
+            <a:endParaRPr lang="zh-CN" altLang="en-US" sz="4800" b="1">
+              <a:solidFill>
+                <a:schemeClr val="tx1"/>
+              </a:solidFill>
+              <a:sym typeface="+mn-ea"/>
+            </a:endParaRPr>
+          </a:p>
+        </p:txBody>
+      </p:sp>
+      <p:sp>
+        <p:nvSpPr>
+          <p:cNvPr id="14" name="文本框 13"/>
+          <p:cNvSpPr txBox="1"/>
+          <p:nvPr/>
+        </p:nvSpPr>
+        <p:spPr>
+          <a:xfrm>
+            <a:off x="5371465" y="4514850"/>
+            <a:ext cx="1900555" cy="829945"/>
+          </a:xfrm>
+          <a:prstGeom prst="rect">
+            <a:avLst/>
+          </a:prstGeom>
+          <a:noFill/>
+        </p:spPr>
+        <p:txBody>
+          <a:bodyPr wrap="square" rtlCol="0" anchor="t">
+            <a:spAutoFit/>
+          </a:bodyPr>
+          <a:p>
+            <a:r>
+              <a:rPr lang="zh-CN" altLang="en-US" sz="4800" b="1">
+                <a:solidFill>
+                  <a:schemeClr val="tx1"/>
+                </a:solidFill>
+                <a:sym typeface="+mn-ea"/>
+              </a:rPr>
+              <a:t>点菜</a:t>
+            </a:r>
+            <a:endParaRPr lang="zh-CN" altLang="en-US" sz="4800" b="1">
+              <a:solidFill>
+                <a:schemeClr val="tx1"/>
+              </a:solidFill>
+              <a:sym typeface="+mn-ea"/>
+            </a:endParaRPr>
+          </a:p>
+        </p:txBody>
+      </p:sp>
+      <p:sp>
+        <p:nvSpPr>
+          <p:cNvPr id="15" name="文本框 14"/>
+          <p:cNvSpPr txBox="1"/>
+          <p:nvPr/>
+        </p:nvSpPr>
+        <p:spPr>
+          <a:xfrm>
+            <a:off x="5498465" y="4641850"/>
+            <a:ext cx="1900555" cy="829945"/>
+          </a:xfrm>
+          <a:prstGeom prst="rect">
+            <a:avLst/>
+          </a:prstGeom>
+          <a:noFill/>
+        </p:spPr>
+        <p:txBody>
+          <a:bodyPr wrap="square" rtlCol="0" anchor="t">
+            <a:spAutoFit/>
+          </a:bodyPr>
+          <a:p>
+            <a:r>
+              <a:rPr lang="zh-CN" altLang="en-US" sz="4800" b="1">
+                <a:solidFill>
+                  <a:schemeClr val="tx1"/>
+                </a:solidFill>
+                <a:sym typeface="+mn-ea"/>
+              </a:rPr>
+              <a:t>点菜</a:t>
+            </a:r>
+            <a:endParaRPr lang="zh-CN" altLang="en-US" sz="4800" b="1">
+              <a:solidFill>
+                <a:schemeClr val="tx1"/>
+              </a:solidFill>
+              <a:sym typeface="+mn-ea"/>
+            </a:endParaRPr>
+          </a:p>
+        </p:txBody>
+      </p:sp>
+      <p:sp>
+        <p:nvSpPr>
+          <p:cNvPr id="16" name="文本框 15"/>
+          <p:cNvSpPr txBox="1"/>
+          <p:nvPr/>
+        </p:nvSpPr>
+        <p:spPr>
+          <a:xfrm>
+            <a:off x="3470910" y="1871980"/>
+            <a:ext cx="1900555" cy="829945"/>
+          </a:xfrm>
+          <a:prstGeom prst="rect">
+            <a:avLst/>
+          </a:prstGeom>
+          <a:noFill/>
+        </p:spPr>
+        <p:txBody>
+          <a:bodyPr wrap="square" rtlCol="0" anchor="t">
+            <a:spAutoFit/>
+          </a:bodyPr>
+          <a:p>
+            <a:r>
+              <a:rPr lang="zh-CN" altLang="en-US" sz="4800" b="1">
+                <a:solidFill>
+                  <a:schemeClr val="tx1"/>
+                </a:solidFill>
+                <a:sym typeface="+mn-ea"/>
+              </a:rPr>
+              <a:t>点菜</a:t>
+            </a:r>
+            <a:endParaRPr lang="zh-CN" altLang="en-US" sz="4800" b="1">
+              <a:solidFill>
+                <a:schemeClr val="tx1"/>
+              </a:solidFill>
+              <a:sym typeface="+mn-ea"/>
+            </a:endParaRPr>
+          </a:p>
+        </p:txBody>
+      </p:sp>
+      <p:sp>
+        <p:nvSpPr>
+          <p:cNvPr id="17" name="文本框 16"/>
+          <p:cNvSpPr txBox="1"/>
+          <p:nvPr/>
+        </p:nvSpPr>
+        <p:spPr>
+          <a:xfrm>
+            <a:off x="5625465" y="4768850"/>
+            <a:ext cx="1900555" cy="829945"/>
+          </a:xfrm>
+          <a:prstGeom prst="rect">
+            <a:avLst/>
+          </a:prstGeom>
+          <a:noFill/>
+        </p:spPr>
+        <p:txBody>
+          <a:bodyPr wrap="square" rtlCol="0" anchor="t">
+            <a:spAutoFit/>
+          </a:bodyPr>
+          <a:p>
+            <a:r>
+              <a:rPr lang="zh-CN" altLang="en-US" sz="4800" b="1">
+                <a:solidFill>
+                  <a:schemeClr val="tx1"/>
+                </a:solidFill>
+                <a:sym typeface="+mn-ea"/>
+              </a:rPr>
+              <a:t>点菜</a:t>
+            </a:r>
+            <a:endParaRPr lang="zh-CN" altLang="en-US" sz="4800" b="1">
+              <a:solidFill>
+                <a:schemeClr val="tx1"/>
+              </a:solidFill>
+              <a:sym typeface="+mn-ea"/>
+            </a:endParaRPr>
+          </a:p>
+        </p:txBody>
+      </p:sp>
+      <p:sp>
+        <p:nvSpPr>
+          <p:cNvPr id="18" name="文本框 17"/>
+          <p:cNvSpPr txBox="1"/>
+          <p:nvPr/>
+        </p:nvSpPr>
+        <p:spPr>
+          <a:xfrm>
+            <a:off x="5752465" y="4895850"/>
+            <a:ext cx="1900555" cy="829945"/>
+          </a:xfrm>
+          <a:prstGeom prst="rect">
+            <a:avLst/>
+          </a:prstGeom>
+          <a:noFill/>
+        </p:spPr>
+        <p:txBody>
+          <a:bodyPr wrap="square" rtlCol="0" anchor="t">
+            <a:spAutoFit/>
+          </a:bodyPr>
+          <a:p>
+            <a:r>
+              <a:rPr lang="zh-CN" altLang="en-US" sz="4800" b="1">
+                <a:solidFill>
+                  <a:schemeClr val="tx1"/>
+                </a:solidFill>
+                <a:sym typeface="+mn-ea"/>
+              </a:rPr>
+              <a:t>点菜</a:t>
+            </a:r>
+            <a:endParaRPr lang="zh-CN" altLang="en-US" sz="4800" b="1">
+              <a:solidFill>
+                <a:schemeClr val="tx1"/>
+              </a:solidFill>
+              <a:sym typeface="+mn-ea"/>
+            </a:endParaRPr>
+          </a:p>
+        </p:txBody>
+      </p:sp>
+      <p:sp>
+        <p:nvSpPr>
+          <p:cNvPr id="19" name="文本框 18"/>
+          <p:cNvSpPr txBox="1"/>
+          <p:nvPr/>
+        </p:nvSpPr>
+        <p:spPr>
+          <a:xfrm>
+            <a:off x="7145020" y="2701925"/>
+            <a:ext cx="1900555" cy="829945"/>
+          </a:xfrm>
+          <a:prstGeom prst="rect">
+            <a:avLst/>
+          </a:prstGeom>
+          <a:noFill/>
+        </p:spPr>
+        <p:txBody>
+          <a:bodyPr wrap="square" rtlCol="0" anchor="t">
+            <a:spAutoFit/>
+          </a:bodyPr>
+          <a:p>
+            <a:r>
+              <a:rPr lang="zh-CN" altLang="en-US" sz="4800" b="1">
+                <a:solidFill>
+                  <a:schemeClr val="tx1"/>
+                </a:solidFill>
+                <a:sym typeface="+mn-ea"/>
+              </a:rPr>
+              <a:t>点菜</a:t>
+            </a:r>
+            <a:endParaRPr lang="zh-CN" altLang="en-US" sz="4800" b="1">
+              <a:solidFill>
+                <a:schemeClr val="tx1"/>
+              </a:solidFill>
+              <a:sym typeface="+mn-ea"/>
+            </a:endParaRPr>
+          </a:p>
+        </p:txBody>
+      </p:sp>
+      <p:sp>
+        <p:nvSpPr>
+          <p:cNvPr id="20" name="文本框 19"/>
+          <p:cNvSpPr txBox="1"/>
+          <p:nvPr/>
+        </p:nvSpPr>
+        <p:spPr>
+          <a:xfrm>
+            <a:off x="4863465" y="2541905"/>
+            <a:ext cx="1900555" cy="829945"/>
+          </a:xfrm>
+          <a:prstGeom prst="rect">
+            <a:avLst/>
+          </a:prstGeom>
+          <a:noFill/>
+        </p:spPr>
+        <p:txBody>
+          <a:bodyPr wrap="square" rtlCol="0" anchor="t">
+            <a:spAutoFit/>
+          </a:bodyPr>
+          <a:p>
+            <a:r>
+              <a:rPr lang="zh-CN" altLang="en-US" sz="4800" b="1">
+                <a:solidFill>
+                  <a:schemeClr val="tx1"/>
+                </a:solidFill>
+                <a:sym typeface="+mn-ea"/>
+              </a:rPr>
+              <a:t>点菜</a:t>
+            </a:r>
+            <a:endParaRPr lang="zh-CN" altLang="en-US" sz="4800" b="1">
+              <a:solidFill>
+                <a:schemeClr val="tx1"/>
+              </a:solidFill>
+              <a:sym typeface="+mn-ea"/>
+            </a:endParaRPr>
+          </a:p>
+        </p:txBody>
+      </p:sp>
+      <p:sp>
+        <p:nvSpPr>
+          <p:cNvPr id="21" name="文本框 20"/>
+          <p:cNvSpPr txBox="1"/>
+          <p:nvPr/>
+        </p:nvSpPr>
+        <p:spPr>
+          <a:xfrm>
+            <a:off x="3089910" y="4133850"/>
+            <a:ext cx="1900555" cy="829945"/>
+          </a:xfrm>
+          <a:prstGeom prst="rect">
+            <a:avLst/>
+          </a:prstGeom>
+          <a:noFill/>
+        </p:spPr>
+        <p:txBody>
+          <a:bodyPr wrap="square" rtlCol="0" anchor="t">
+            <a:spAutoFit/>
+          </a:bodyPr>
+          <a:p>
+            <a:r>
+              <a:rPr lang="zh-CN" altLang="en-US" sz="4800" b="1">
+                <a:solidFill>
+                  <a:schemeClr val="tx1"/>
+                </a:solidFill>
+                <a:sym typeface="+mn-ea"/>
+              </a:rPr>
+              <a:t>点菜</a:t>
+            </a:r>
+            <a:endParaRPr lang="zh-CN" altLang="en-US" sz="4800" b="1">
+              <a:solidFill>
+                <a:schemeClr val="tx1"/>
+              </a:solidFill>
+              <a:sym typeface="+mn-ea"/>
+            </a:endParaRPr>
+          </a:p>
+        </p:txBody>
+      </p:sp>
+      <p:sp>
+        <p:nvSpPr>
+          <p:cNvPr id="22" name="文本框 21"/>
+          <p:cNvSpPr txBox="1"/>
+          <p:nvPr/>
+        </p:nvSpPr>
+        <p:spPr>
+          <a:xfrm>
+            <a:off x="7526020" y="3531870"/>
+            <a:ext cx="1900555" cy="829945"/>
+          </a:xfrm>
+          <a:prstGeom prst="rect">
+            <a:avLst/>
+          </a:prstGeom>
+          <a:noFill/>
+        </p:spPr>
+        <p:txBody>
+          <a:bodyPr wrap="square" rtlCol="0" anchor="t">
+            <a:spAutoFit/>
+          </a:bodyPr>
+          <a:p>
+            <a:r>
+              <a:rPr lang="zh-CN" altLang="en-US" sz="4800" b="1">
+                <a:solidFill>
+                  <a:schemeClr val="tx1"/>
+                </a:solidFill>
+                <a:sym typeface="+mn-ea"/>
+              </a:rPr>
+              <a:t>点菜</a:t>
+            </a:r>
+            <a:endParaRPr lang="zh-CN" altLang="en-US" sz="4800" b="1">
+              <a:solidFill>
+                <a:schemeClr val="tx1"/>
+              </a:solidFill>
+              <a:sym typeface="+mn-ea"/>
+            </a:endParaRPr>
+          </a:p>
+        </p:txBody>
+      </p:sp>
+      <p:sp>
+        <p:nvSpPr>
+          <p:cNvPr id="23" name="文本框 22"/>
+          <p:cNvSpPr txBox="1"/>
+          <p:nvPr/>
+        </p:nvSpPr>
+        <p:spPr>
+          <a:xfrm>
+            <a:off x="8043545" y="4387850"/>
+            <a:ext cx="1900555" cy="829945"/>
+          </a:xfrm>
+          <a:prstGeom prst="rect">
+            <a:avLst/>
+          </a:prstGeom>
+          <a:noFill/>
+        </p:spPr>
+        <p:txBody>
+          <a:bodyPr wrap="square" rtlCol="0" anchor="t">
+            <a:spAutoFit/>
+          </a:bodyPr>
+          <a:p>
+            <a:r>
+              <a:rPr lang="zh-CN" altLang="en-US" sz="4800" b="1">
+                <a:solidFill>
+                  <a:schemeClr val="tx1"/>
+                </a:solidFill>
+                <a:sym typeface="+mn-ea"/>
+              </a:rPr>
+              <a:t>点菜</a:t>
+            </a:r>
+            <a:endParaRPr lang="zh-CN" altLang="en-US" sz="4800" b="1">
+              <a:solidFill>
+                <a:schemeClr val="tx1"/>
+              </a:solidFill>
+              <a:sym typeface="+mn-ea"/>
+            </a:endParaRPr>
+          </a:p>
+        </p:txBody>
+      </p:sp>
+      <p:sp>
+        <p:nvSpPr>
+          <p:cNvPr id="24" name="文本框 23"/>
+          <p:cNvSpPr txBox="1"/>
+          <p:nvPr/>
+        </p:nvSpPr>
+        <p:spPr>
+          <a:xfrm>
+            <a:off x="8043545" y="1605915"/>
+            <a:ext cx="1900555" cy="829945"/>
+          </a:xfrm>
+          <a:prstGeom prst="rect">
+            <a:avLst/>
+          </a:prstGeom>
+          <a:noFill/>
+        </p:spPr>
+        <p:txBody>
+          <a:bodyPr wrap="square" rtlCol="0" anchor="t">
+            <a:spAutoFit/>
+          </a:bodyPr>
+          <a:p>
+            <a:r>
+              <a:rPr lang="zh-CN" altLang="en-US" sz="4800" b="1">
+                <a:solidFill>
+                  <a:schemeClr val="tx1"/>
+                </a:solidFill>
+                <a:sym typeface="+mn-ea"/>
+              </a:rPr>
+              <a:t>点菜</a:t>
+            </a:r>
+            <a:endParaRPr lang="zh-CN" altLang="en-US" sz="4800" b="1">
+              <a:solidFill>
+                <a:schemeClr val="tx1"/>
+              </a:solidFill>
+              <a:sym typeface="+mn-ea"/>
+            </a:endParaRPr>
+          </a:p>
+        </p:txBody>
+      </p:sp>
+    </p:spTree>
+  </p:cSld>
+  <p:clrMapOvr>
+    <a:masterClrMapping/>
+  </p:clrMapOvr>
+</p:sld>
+</file>
+
 <file path=ppt/theme/theme1.xml><?xml version="1.0" encoding="utf-8"?>
 <a:theme xmlns:a="http://schemas.openxmlformats.org/drawingml/2006/main" name="Office 主题">
   <a:themeElements>

--- a/pageDesign.pptx
+++ b/pageDesign.pptx
@@ -11,7 +11,9 @@
     <p:sldId id="260" r:id="rId6"/>
     <p:sldId id="259" r:id="rId7"/>
     <p:sldId id="262" r:id="rId8"/>
-    <p:sldId id="265" r:id="rId9"/>
+    <p:sldId id="266" r:id="rId9"/>
+    <p:sldId id="267" r:id="rId10"/>
+    <p:sldId id="265" r:id="rId11"/>
   </p:sldIdLst>
   <p:sldSz cx="12192000" cy="6858000"/>
   <p:notesSz cx="6858000" cy="9144000"/>
@@ -4793,6 +4795,1563 @@
         <p:nvPr/>
       </p:nvGrpSpPr>
       <p:grpSpPr/>
+      <p:sp>
+        <p:nvSpPr>
+          <p:cNvPr id="11" name="文本框 10"/>
+          <p:cNvSpPr txBox="1"/>
+          <p:nvPr/>
+        </p:nvSpPr>
+        <p:spPr>
+          <a:xfrm>
+            <a:off x="8890" y="6350"/>
+            <a:ext cx="7680960" cy="922020"/>
+          </a:xfrm>
+          <a:prstGeom prst="rect">
+            <a:avLst/>
+          </a:prstGeom>
+          <a:noFill/>
+        </p:spPr>
+        <p:txBody>
+          <a:bodyPr wrap="none" rtlCol="0">
+            <a:spAutoFit/>
+          </a:bodyPr>
+          <a:p>
+            <a:r>
+              <a:rPr lang="en-US" altLang="zh-CN" sz="5400">
+                <a:latin typeface="Comic Sans MS" panose="030F0702030302020204" charset="0"/>
+              </a:rPr>
+              <a:t>Leader Dashboard Page</a:t>
+            </a:r>
+            <a:endParaRPr lang="en-US" altLang="zh-CN" sz="5400">
+              <a:latin typeface="Comic Sans MS" panose="030F0702030302020204" charset="0"/>
+            </a:endParaRPr>
+          </a:p>
+        </p:txBody>
+      </p:sp>
+      <p:sp>
+        <p:nvSpPr>
+          <p:cNvPr id="3" name="矩形 2"/>
+          <p:cNvSpPr/>
+          <p:nvPr/>
+        </p:nvSpPr>
+        <p:spPr>
+          <a:xfrm>
+            <a:off x="3619500" y="1192530"/>
+            <a:ext cx="8547100" cy="5626100"/>
+          </a:xfrm>
+          <a:prstGeom prst="rect">
+            <a:avLst/>
+          </a:prstGeom>
+          <a:solidFill>
+            <a:schemeClr val="bg1"/>
+          </a:solidFill>
+          <a:ln w="38100"/>
+        </p:spPr>
+        <p:style>
+          <a:lnRef idx="2">
+            <a:schemeClr val="accent1">
+              <a:shade val="50000"/>
+            </a:schemeClr>
+          </a:lnRef>
+          <a:fillRef idx="1">
+            <a:schemeClr val="accent1"/>
+          </a:fillRef>
+          <a:effectRef idx="0">
+            <a:schemeClr val="accent1"/>
+          </a:effectRef>
+          <a:fontRef idx="minor">
+            <a:schemeClr val="lt1"/>
+          </a:fontRef>
+        </p:style>
+        <p:txBody>
+          <a:bodyPr rtlCol="0" anchor="ctr"/>
+          <a:p>
+            <a:pPr algn="ctr"/>
+            <a:endParaRPr lang="zh-CN" altLang="en-US"/>
+          </a:p>
+        </p:txBody>
+      </p:sp>
+      <p:sp>
+        <p:nvSpPr>
+          <p:cNvPr id="5" name="矩形 4"/>
+          <p:cNvSpPr/>
+          <p:nvPr/>
+        </p:nvSpPr>
+        <p:spPr>
+          <a:xfrm>
+            <a:off x="3958590" y="2548255"/>
+            <a:ext cx="8023225" cy="4057015"/>
+          </a:xfrm>
+          <a:prstGeom prst="rect">
+            <a:avLst/>
+          </a:prstGeom>
+          <a:noFill/>
+          <a:ln w="31750"/>
+        </p:spPr>
+        <p:style>
+          <a:lnRef idx="2">
+            <a:schemeClr val="accent1">
+              <a:shade val="50000"/>
+            </a:schemeClr>
+          </a:lnRef>
+          <a:fillRef idx="1">
+            <a:schemeClr val="accent1"/>
+          </a:fillRef>
+          <a:effectRef idx="0">
+            <a:schemeClr val="accent1"/>
+          </a:effectRef>
+          <a:fontRef idx="minor">
+            <a:schemeClr val="lt1"/>
+          </a:fontRef>
+        </p:style>
+        <p:txBody>
+          <a:bodyPr rtlCol="0" anchor="ctr"/>
+          <a:p>
+            <a:pPr algn="ctr"/>
+            <a:endParaRPr lang="zh-CN" altLang="en-US"/>
+          </a:p>
+        </p:txBody>
+      </p:sp>
+      <p:sp>
+        <p:nvSpPr>
+          <p:cNvPr id="7" name="矩形 6"/>
+          <p:cNvSpPr/>
+          <p:nvPr/>
+        </p:nvSpPr>
+        <p:spPr>
+          <a:xfrm flipV="1">
+            <a:off x="3620135" y="1191895"/>
+            <a:ext cx="8545830" cy="674370"/>
+          </a:xfrm>
+          <a:prstGeom prst="rect">
+            <a:avLst/>
+          </a:prstGeom>
+          <a:noFill/>
+          <a:ln w="31750"/>
+        </p:spPr>
+        <p:style>
+          <a:lnRef idx="2">
+            <a:schemeClr val="accent1">
+              <a:shade val="50000"/>
+            </a:schemeClr>
+          </a:lnRef>
+          <a:fillRef idx="1">
+            <a:schemeClr val="accent1"/>
+          </a:fillRef>
+          <a:effectRef idx="0">
+            <a:schemeClr val="accent1"/>
+          </a:effectRef>
+          <a:fontRef idx="minor">
+            <a:schemeClr val="lt1"/>
+          </a:fontRef>
+        </p:style>
+        <p:txBody>
+          <a:bodyPr rtlCol="0" anchor="ctr"/>
+          <a:p>
+            <a:pPr algn="ctr"/>
+            <a:endParaRPr lang="zh-CN" altLang="en-US"/>
+          </a:p>
+        </p:txBody>
+      </p:sp>
+      <p:sp>
+        <p:nvSpPr>
+          <p:cNvPr id="6" name="圆角矩形 5"/>
+          <p:cNvSpPr/>
+          <p:nvPr/>
+        </p:nvSpPr>
+        <p:spPr>
+          <a:xfrm>
+            <a:off x="9723755" y="2083435"/>
+            <a:ext cx="1217295" cy="317500"/>
+          </a:xfrm>
+          <a:prstGeom prst="roundRect">
+            <a:avLst/>
+          </a:prstGeom>
+          <a:noFill/>
+          <a:ln w="34925"/>
+        </p:spPr>
+        <p:style>
+          <a:lnRef idx="2">
+            <a:schemeClr val="accent1">
+              <a:shade val="50000"/>
+            </a:schemeClr>
+          </a:lnRef>
+          <a:fillRef idx="1">
+            <a:schemeClr val="accent1"/>
+          </a:fillRef>
+          <a:effectRef idx="0">
+            <a:schemeClr val="accent1"/>
+          </a:effectRef>
+          <a:fontRef idx="minor">
+            <a:schemeClr val="lt1"/>
+          </a:fontRef>
+        </p:style>
+        <p:txBody>
+          <a:bodyPr rtlCol="0" anchor="ctr"/>
+          <a:p>
+            <a:pPr algn="ctr"/>
+            <a:endParaRPr lang="zh-CN" altLang="en-US"/>
+          </a:p>
+        </p:txBody>
+      </p:sp>
+      <p:sp>
+        <p:nvSpPr>
+          <p:cNvPr id="8" name="圆角矩形 7"/>
+          <p:cNvSpPr/>
+          <p:nvPr/>
+        </p:nvSpPr>
+        <p:spPr>
+          <a:xfrm>
+            <a:off x="11069955" y="2083435"/>
+            <a:ext cx="928370" cy="317500"/>
+          </a:xfrm>
+          <a:prstGeom prst="roundRect">
+            <a:avLst/>
+          </a:prstGeom>
+          <a:noFill/>
+          <a:ln w="34925"/>
+        </p:spPr>
+        <p:style>
+          <a:lnRef idx="2">
+            <a:schemeClr val="accent1">
+              <a:shade val="50000"/>
+            </a:schemeClr>
+          </a:lnRef>
+          <a:fillRef idx="1">
+            <a:schemeClr val="accent1"/>
+          </a:fillRef>
+          <a:effectRef idx="0">
+            <a:schemeClr val="accent1"/>
+          </a:effectRef>
+          <a:fontRef idx="minor">
+            <a:schemeClr val="lt1"/>
+          </a:fontRef>
+        </p:style>
+        <p:txBody>
+          <a:bodyPr rtlCol="0" anchor="ctr"/>
+          <a:p>
+            <a:pPr algn="ctr"/>
+            <a:r>
+              <a:rPr lang="en-US" altLang="zh-CN" b="1">
+                <a:solidFill>
+                  <a:schemeClr val="tx1"/>
+                </a:solidFill>
+              </a:rPr>
+              <a:t>Search</a:t>
+            </a:r>
+            <a:endParaRPr lang="en-US" altLang="zh-CN" b="1">
+              <a:solidFill>
+                <a:schemeClr val="tx1"/>
+              </a:solidFill>
+            </a:endParaRPr>
+          </a:p>
+        </p:txBody>
+      </p:sp>
+      <p:sp>
+        <p:nvSpPr>
+          <p:cNvPr id="10" name="文本框 9"/>
+          <p:cNvSpPr txBox="1"/>
+          <p:nvPr/>
+        </p:nvSpPr>
+        <p:spPr>
+          <a:xfrm>
+            <a:off x="3958590" y="2083435"/>
+            <a:ext cx="1049655" cy="368300"/>
+          </a:xfrm>
+          <a:prstGeom prst="rect">
+            <a:avLst/>
+          </a:prstGeom>
+          <a:noFill/>
+        </p:spPr>
+        <p:txBody>
+          <a:bodyPr wrap="none" rtlCol="0" anchor="t">
+            <a:spAutoFit/>
+          </a:bodyPr>
+          <a:p>
+            <a:r>
+              <a:rPr lang="en-US" altLang="zh-CN" b="1">
+                <a:solidFill>
+                  <a:srgbClr val="FF0000"/>
+                </a:solidFill>
+                <a:sym typeface="+mn-ea"/>
+              </a:rPr>
+              <a:t>My Team</a:t>
+            </a:r>
+            <a:endParaRPr lang="en-US" altLang="zh-CN" b="1">
+              <a:solidFill>
+                <a:srgbClr val="FF0000"/>
+              </a:solidFill>
+              <a:sym typeface="+mn-ea"/>
+            </a:endParaRPr>
+          </a:p>
+        </p:txBody>
+      </p:sp>
+      <p:sp>
+        <p:nvSpPr>
+          <p:cNvPr id="12" name="圆角矩形 11"/>
+          <p:cNvSpPr/>
+          <p:nvPr/>
+        </p:nvSpPr>
+        <p:spPr>
+          <a:xfrm flipH="1">
+            <a:off x="5008245" y="2134235"/>
+            <a:ext cx="76200" cy="317500"/>
+          </a:xfrm>
+          <a:prstGeom prst="roundRect">
+            <a:avLst/>
+          </a:prstGeom>
+          <a:noFill/>
+          <a:ln w="34925"/>
+        </p:spPr>
+        <p:style>
+          <a:lnRef idx="2">
+            <a:schemeClr val="accent1">
+              <a:shade val="50000"/>
+            </a:schemeClr>
+          </a:lnRef>
+          <a:fillRef idx="1">
+            <a:schemeClr val="accent1"/>
+          </a:fillRef>
+          <a:effectRef idx="0">
+            <a:schemeClr val="accent1"/>
+          </a:effectRef>
+          <a:fontRef idx="minor">
+            <a:schemeClr val="lt1"/>
+          </a:fontRef>
+        </p:style>
+        <p:txBody>
+          <a:bodyPr rtlCol="0" anchor="ctr"/>
+          <a:p>
+            <a:pPr algn="ctr"/>
+            <a:endParaRPr lang="en-US" altLang="zh-CN" b="1">
+              <a:solidFill>
+                <a:schemeClr val="tx1"/>
+              </a:solidFill>
+            </a:endParaRPr>
+          </a:p>
+        </p:txBody>
+      </p:sp>
+      <p:sp>
+        <p:nvSpPr>
+          <p:cNvPr id="24" name="文本框 23"/>
+          <p:cNvSpPr txBox="1"/>
+          <p:nvPr/>
+        </p:nvSpPr>
+        <p:spPr>
+          <a:xfrm>
+            <a:off x="5084445" y="2108835"/>
+            <a:ext cx="1163320" cy="368300"/>
+          </a:xfrm>
+          <a:prstGeom prst="rect">
+            <a:avLst/>
+          </a:prstGeom>
+          <a:noFill/>
+        </p:spPr>
+        <p:txBody>
+          <a:bodyPr wrap="none" rtlCol="0" anchor="t">
+            <a:spAutoFit/>
+          </a:bodyPr>
+          <a:p>
+            <a:r>
+              <a:rPr lang="en-US" altLang="zh-CN" b="1">
+                <a:sym typeface="+mn-ea"/>
+              </a:rPr>
+              <a:t>My Fellow</a:t>
+            </a:r>
+            <a:endParaRPr lang="en-US" altLang="zh-CN" b="1">
+              <a:sym typeface="+mn-ea"/>
+            </a:endParaRPr>
+          </a:p>
+        </p:txBody>
+      </p:sp>
+      <p:sp>
+        <p:nvSpPr>
+          <p:cNvPr id="25" name="圆角矩形 24"/>
+          <p:cNvSpPr/>
+          <p:nvPr/>
+        </p:nvSpPr>
+        <p:spPr>
+          <a:xfrm flipH="1">
+            <a:off x="6247765" y="2134235"/>
+            <a:ext cx="76200" cy="317500"/>
+          </a:xfrm>
+          <a:prstGeom prst="roundRect">
+            <a:avLst/>
+          </a:prstGeom>
+          <a:noFill/>
+          <a:ln w="34925"/>
+        </p:spPr>
+        <p:style>
+          <a:lnRef idx="2">
+            <a:schemeClr val="accent1">
+              <a:shade val="50000"/>
+            </a:schemeClr>
+          </a:lnRef>
+          <a:fillRef idx="1">
+            <a:schemeClr val="accent1"/>
+          </a:fillRef>
+          <a:effectRef idx="0">
+            <a:schemeClr val="accent1"/>
+          </a:effectRef>
+          <a:fontRef idx="minor">
+            <a:schemeClr val="lt1"/>
+          </a:fontRef>
+        </p:style>
+        <p:txBody>
+          <a:bodyPr rtlCol="0" anchor="ctr"/>
+          <a:p>
+            <a:pPr algn="ctr"/>
+            <a:endParaRPr lang="en-US" altLang="zh-CN" b="1">
+              <a:solidFill>
+                <a:schemeClr val="tx1"/>
+              </a:solidFill>
+            </a:endParaRPr>
+          </a:p>
+        </p:txBody>
+      </p:sp>
+      <p:sp>
+        <p:nvSpPr>
+          <p:cNvPr id="26" name="文本框 25"/>
+          <p:cNvSpPr txBox="1"/>
+          <p:nvPr/>
+        </p:nvSpPr>
+        <p:spPr>
+          <a:xfrm>
+            <a:off x="6398895" y="2108835"/>
+            <a:ext cx="433070" cy="368300"/>
+          </a:xfrm>
+          <a:prstGeom prst="rect">
+            <a:avLst/>
+          </a:prstGeom>
+          <a:noFill/>
+        </p:spPr>
+        <p:txBody>
+          <a:bodyPr wrap="none" rtlCol="0" anchor="t">
+            <a:spAutoFit/>
+          </a:bodyPr>
+          <a:p>
+            <a:r>
+              <a:rPr lang="en-US" altLang="zh-CN" b="1">
+                <a:sym typeface="+mn-ea"/>
+              </a:rPr>
+              <a:t>All</a:t>
+            </a:r>
+            <a:endParaRPr lang="en-US" altLang="zh-CN" b="1">
+              <a:sym typeface="+mn-ea"/>
+            </a:endParaRPr>
+          </a:p>
+        </p:txBody>
+      </p:sp>
+      <p:grpSp>
+        <p:nvGrpSpPr>
+          <p:cNvPr id="29" name="组合 28"/>
+          <p:cNvGrpSpPr/>
+          <p:nvPr/>
+        </p:nvGrpSpPr>
+        <p:grpSpPr>
+          <a:xfrm>
+            <a:off x="4194810" y="2694305"/>
+            <a:ext cx="7550150" cy="760730"/>
+            <a:chOff x="6606" y="4243"/>
+            <a:chExt cx="11890" cy="1198"/>
+          </a:xfrm>
+        </p:grpSpPr>
+        <p:sp>
+          <p:nvSpPr>
+            <p:cNvPr id="27" name="矩形 26"/>
+            <p:cNvSpPr/>
+            <p:nvPr/>
+          </p:nvSpPr>
+          <p:spPr>
+            <a:xfrm>
+              <a:off x="6606" y="4243"/>
+              <a:ext cx="11891" cy="1199"/>
+            </a:xfrm>
+            <a:prstGeom prst="rect">
+              <a:avLst/>
+            </a:prstGeom>
+            <a:noFill/>
+            <a:ln w="31750"/>
+          </p:spPr>
+          <p:style>
+            <a:lnRef idx="2">
+              <a:schemeClr val="accent1">
+                <a:shade val="50000"/>
+              </a:schemeClr>
+            </a:lnRef>
+            <a:fillRef idx="1">
+              <a:schemeClr val="accent1"/>
+            </a:fillRef>
+            <a:effectRef idx="0">
+              <a:schemeClr val="accent1"/>
+            </a:effectRef>
+            <a:fontRef idx="minor">
+              <a:schemeClr val="lt1"/>
+            </a:fontRef>
+          </p:style>
+          <p:txBody>
+            <a:bodyPr rtlCol="0" anchor="ctr"/>
+            <a:p>
+              <a:pPr algn="ctr"/>
+              <a:endParaRPr lang="zh-CN" altLang="en-US"/>
+            </a:p>
+          </p:txBody>
+        </p:sp>
+        <p:sp>
+          <p:nvSpPr>
+            <p:cNvPr id="28" name="矩形 27"/>
+            <p:cNvSpPr/>
+            <p:nvPr/>
+          </p:nvSpPr>
+          <p:spPr>
+            <a:xfrm>
+              <a:off x="6776" y="4343"/>
+              <a:ext cx="1006" cy="998"/>
+            </a:xfrm>
+            <a:prstGeom prst="rect">
+              <a:avLst/>
+            </a:prstGeom>
+            <a:noFill/>
+            <a:ln w="31750"/>
+          </p:spPr>
+          <p:style>
+            <a:lnRef idx="2">
+              <a:schemeClr val="accent1">
+                <a:shade val="50000"/>
+              </a:schemeClr>
+            </a:lnRef>
+            <a:fillRef idx="1">
+              <a:schemeClr val="accent1"/>
+            </a:fillRef>
+            <a:effectRef idx="0">
+              <a:schemeClr val="accent1"/>
+            </a:effectRef>
+            <a:fontRef idx="minor">
+              <a:schemeClr val="lt1"/>
+            </a:fontRef>
+          </p:style>
+          <p:txBody>
+            <a:bodyPr rtlCol="0" anchor="ctr"/>
+            <a:p>
+              <a:pPr algn="ctr"/>
+              <a:endParaRPr lang="zh-CN" altLang="en-US"/>
+            </a:p>
+          </p:txBody>
+        </p:sp>
+      </p:grpSp>
+      <p:grpSp>
+        <p:nvGrpSpPr>
+          <p:cNvPr id="30" name="组合 29"/>
+          <p:cNvGrpSpPr/>
+          <p:nvPr/>
+        </p:nvGrpSpPr>
+        <p:grpSpPr>
+          <a:xfrm>
+            <a:off x="4194810" y="3624580"/>
+            <a:ext cx="7550150" cy="760730"/>
+            <a:chOff x="6606" y="4243"/>
+            <a:chExt cx="11890" cy="1198"/>
+          </a:xfrm>
+        </p:grpSpPr>
+        <p:sp>
+          <p:nvSpPr>
+            <p:cNvPr id="31" name="矩形 30"/>
+            <p:cNvSpPr/>
+            <p:nvPr/>
+          </p:nvSpPr>
+          <p:spPr>
+            <a:xfrm>
+              <a:off x="6606" y="4243"/>
+              <a:ext cx="11891" cy="1199"/>
+            </a:xfrm>
+            <a:prstGeom prst="rect">
+              <a:avLst/>
+            </a:prstGeom>
+            <a:noFill/>
+            <a:ln w="31750"/>
+          </p:spPr>
+          <p:style>
+            <a:lnRef idx="2">
+              <a:schemeClr val="accent1">
+                <a:shade val="50000"/>
+              </a:schemeClr>
+            </a:lnRef>
+            <a:fillRef idx="1">
+              <a:schemeClr val="accent1"/>
+            </a:fillRef>
+            <a:effectRef idx="0">
+              <a:schemeClr val="accent1"/>
+            </a:effectRef>
+            <a:fontRef idx="minor">
+              <a:schemeClr val="lt1"/>
+            </a:fontRef>
+          </p:style>
+          <p:txBody>
+            <a:bodyPr rtlCol="0" anchor="ctr"/>
+            <a:p>
+              <a:pPr algn="ctr"/>
+              <a:endParaRPr lang="zh-CN" altLang="en-US"/>
+            </a:p>
+          </p:txBody>
+        </p:sp>
+        <p:sp>
+          <p:nvSpPr>
+            <p:cNvPr id="32" name="矩形 31"/>
+            <p:cNvSpPr/>
+            <p:nvPr/>
+          </p:nvSpPr>
+          <p:spPr>
+            <a:xfrm>
+              <a:off x="6776" y="4343"/>
+              <a:ext cx="1006" cy="998"/>
+            </a:xfrm>
+            <a:prstGeom prst="rect">
+              <a:avLst/>
+            </a:prstGeom>
+            <a:noFill/>
+            <a:ln w="31750"/>
+          </p:spPr>
+          <p:style>
+            <a:lnRef idx="2">
+              <a:schemeClr val="accent1">
+                <a:shade val="50000"/>
+              </a:schemeClr>
+            </a:lnRef>
+            <a:fillRef idx="1">
+              <a:schemeClr val="accent1"/>
+            </a:fillRef>
+            <a:effectRef idx="0">
+              <a:schemeClr val="accent1"/>
+            </a:effectRef>
+            <a:fontRef idx="minor">
+              <a:schemeClr val="lt1"/>
+            </a:fontRef>
+          </p:style>
+          <p:txBody>
+            <a:bodyPr rtlCol="0" anchor="ctr"/>
+            <a:p>
+              <a:pPr algn="ctr"/>
+              <a:endParaRPr lang="zh-CN" altLang="en-US"/>
+            </a:p>
+          </p:txBody>
+        </p:sp>
+      </p:grpSp>
+      <p:grpSp>
+        <p:nvGrpSpPr>
+          <p:cNvPr id="33" name="组合 32"/>
+          <p:cNvGrpSpPr/>
+          <p:nvPr/>
+        </p:nvGrpSpPr>
+        <p:grpSpPr>
+          <a:xfrm>
+            <a:off x="4194810" y="4552950"/>
+            <a:ext cx="7550150" cy="760730"/>
+            <a:chOff x="6606" y="4243"/>
+            <a:chExt cx="11890" cy="1198"/>
+          </a:xfrm>
+        </p:grpSpPr>
+        <p:sp>
+          <p:nvSpPr>
+            <p:cNvPr id="34" name="矩形 33"/>
+            <p:cNvSpPr/>
+            <p:nvPr/>
+          </p:nvSpPr>
+          <p:spPr>
+            <a:xfrm>
+              <a:off x="6606" y="4243"/>
+              <a:ext cx="11891" cy="1199"/>
+            </a:xfrm>
+            <a:prstGeom prst="rect">
+              <a:avLst/>
+            </a:prstGeom>
+            <a:noFill/>
+            <a:ln w="31750"/>
+          </p:spPr>
+          <p:style>
+            <a:lnRef idx="2">
+              <a:schemeClr val="accent1">
+                <a:shade val="50000"/>
+              </a:schemeClr>
+            </a:lnRef>
+            <a:fillRef idx="1">
+              <a:schemeClr val="accent1"/>
+            </a:fillRef>
+            <a:effectRef idx="0">
+              <a:schemeClr val="accent1"/>
+            </a:effectRef>
+            <a:fontRef idx="minor">
+              <a:schemeClr val="lt1"/>
+            </a:fontRef>
+          </p:style>
+          <p:txBody>
+            <a:bodyPr rtlCol="0" anchor="ctr"/>
+            <a:p>
+              <a:pPr algn="ctr"/>
+              <a:endParaRPr lang="zh-CN" altLang="en-US"/>
+            </a:p>
+          </p:txBody>
+        </p:sp>
+        <p:sp>
+          <p:nvSpPr>
+            <p:cNvPr id="35" name="矩形 34"/>
+            <p:cNvSpPr/>
+            <p:nvPr/>
+          </p:nvSpPr>
+          <p:spPr>
+            <a:xfrm>
+              <a:off x="6776" y="4343"/>
+              <a:ext cx="1006" cy="998"/>
+            </a:xfrm>
+            <a:prstGeom prst="rect">
+              <a:avLst/>
+            </a:prstGeom>
+            <a:noFill/>
+            <a:ln w="31750"/>
+          </p:spPr>
+          <p:style>
+            <a:lnRef idx="2">
+              <a:schemeClr val="accent1">
+                <a:shade val="50000"/>
+              </a:schemeClr>
+            </a:lnRef>
+            <a:fillRef idx="1">
+              <a:schemeClr val="accent1"/>
+            </a:fillRef>
+            <a:effectRef idx="0">
+              <a:schemeClr val="accent1"/>
+            </a:effectRef>
+            <a:fontRef idx="minor">
+              <a:schemeClr val="lt1"/>
+            </a:fontRef>
+          </p:style>
+          <p:txBody>
+            <a:bodyPr rtlCol="0" anchor="ctr"/>
+            <a:p>
+              <a:pPr algn="ctr"/>
+              <a:endParaRPr lang="zh-CN" altLang="en-US"/>
+            </a:p>
+          </p:txBody>
+        </p:sp>
+      </p:grpSp>
+    </p:spTree>
+  </p:cSld>
+  <p:clrMapOvr>
+    <a:masterClrMapping/>
+  </p:clrMapOvr>
+</p:sld>
+</file>
+
+<file path=ppt/slides/slide8.xml><?xml version="1.0" encoding="utf-8"?>
+<p:sld xmlns:a="http://schemas.openxmlformats.org/drawingml/2006/main" xmlns:r="http://schemas.openxmlformats.org/officeDocument/2006/relationships" xmlns:p="http://schemas.openxmlformats.org/presentationml/2006/main">
+  <p:cSld>
+    <p:spTree>
+      <p:nvGrpSpPr>
+        <p:cNvPr id="1" name=""/>
+        <p:cNvGrpSpPr/>
+        <p:nvPr/>
+      </p:nvGrpSpPr>
+      <p:grpSpPr/>
+      <p:sp>
+        <p:nvSpPr>
+          <p:cNvPr id="11" name="文本框 10"/>
+          <p:cNvSpPr txBox="1"/>
+          <p:nvPr/>
+        </p:nvSpPr>
+        <p:spPr>
+          <a:xfrm>
+            <a:off x="8890" y="6350"/>
+            <a:ext cx="7680960" cy="922020"/>
+          </a:xfrm>
+          <a:prstGeom prst="rect">
+            <a:avLst/>
+          </a:prstGeom>
+          <a:noFill/>
+        </p:spPr>
+        <p:txBody>
+          <a:bodyPr wrap="none" rtlCol="0">
+            <a:spAutoFit/>
+          </a:bodyPr>
+          <a:p>
+            <a:r>
+              <a:rPr lang="en-US" altLang="zh-CN" sz="5400">
+                <a:latin typeface="Comic Sans MS" panose="030F0702030302020204" charset="0"/>
+              </a:rPr>
+              <a:t>Leader Dashboard Page</a:t>
+            </a:r>
+            <a:endParaRPr lang="en-US" altLang="zh-CN" sz="5400">
+              <a:latin typeface="Comic Sans MS" panose="030F0702030302020204" charset="0"/>
+            </a:endParaRPr>
+          </a:p>
+        </p:txBody>
+      </p:sp>
+      <p:sp>
+        <p:nvSpPr>
+          <p:cNvPr id="3" name="矩形 2"/>
+          <p:cNvSpPr/>
+          <p:nvPr/>
+        </p:nvSpPr>
+        <p:spPr>
+          <a:xfrm>
+            <a:off x="3619500" y="1191895"/>
+            <a:ext cx="8547100" cy="5626100"/>
+          </a:xfrm>
+          <a:prstGeom prst="rect">
+            <a:avLst/>
+          </a:prstGeom>
+          <a:solidFill>
+            <a:schemeClr val="bg1"/>
+          </a:solidFill>
+          <a:ln w="38100"/>
+        </p:spPr>
+        <p:style>
+          <a:lnRef idx="2">
+            <a:schemeClr val="accent1">
+              <a:shade val="50000"/>
+            </a:schemeClr>
+          </a:lnRef>
+          <a:fillRef idx="1">
+            <a:schemeClr val="accent1"/>
+          </a:fillRef>
+          <a:effectRef idx="0">
+            <a:schemeClr val="accent1"/>
+          </a:effectRef>
+          <a:fontRef idx="minor">
+            <a:schemeClr val="lt1"/>
+          </a:fontRef>
+        </p:style>
+        <p:txBody>
+          <a:bodyPr rtlCol="0" anchor="ctr"/>
+          <a:p>
+            <a:pPr algn="ctr"/>
+            <a:endParaRPr lang="zh-CN" altLang="en-US"/>
+          </a:p>
+        </p:txBody>
+      </p:sp>
+      <p:sp>
+        <p:nvSpPr>
+          <p:cNvPr id="5" name="矩形 4"/>
+          <p:cNvSpPr/>
+          <p:nvPr/>
+        </p:nvSpPr>
+        <p:spPr>
+          <a:xfrm>
+            <a:off x="3958590" y="2548255"/>
+            <a:ext cx="8023225" cy="4057015"/>
+          </a:xfrm>
+          <a:prstGeom prst="rect">
+            <a:avLst/>
+          </a:prstGeom>
+          <a:noFill/>
+          <a:ln w="31750"/>
+        </p:spPr>
+        <p:style>
+          <a:lnRef idx="2">
+            <a:schemeClr val="accent1">
+              <a:shade val="50000"/>
+            </a:schemeClr>
+          </a:lnRef>
+          <a:fillRef idx="1">
+            <a:schemeClr val="accent1"/>
+          </a:fillRef>
+          <a:effectRef idx="0">
+            <a:schemeClr val="accent1"/>
+          </a:effectRef>
+          <a:fontRef idx="minor">
+            <a:schemeClr val="lt1"/>
+          </a:fontRef>
+        </p:style>
+        <p:txBody>
+          <a:bodyPr rtlCol="0" anchor="ctr"/>
+          <a:p>
+            <a:pPr algn="ctr"/>
+            <a:endParaRPr lang="zh-CN" altLang="en-US"/>
+          </a:p>
+        </p:txBody>
+      </p:sp>
+      <p:sp>
+        <p:nvSpPr>
+          <p:cNvPr id="7" name="矩形 6"/>
+          <p:cNvSpPr/>
+          <p:nvPr/>
+        </p:nvSpPr>
+        <p:spPr>
+          <a:xfrm flipV="1">
+            <a:off x="3620135" y="1191895"/>
+            <a:ext cx="8545830" cy="674370"/>
+          </a:xfrm>
+          <a:prstGeom prst="rect">
+            <a:avLst/>
+          </a:prstGeom>
+          <a:noFill/>
+          <a:ln w="31750"/>
+        </p:spPr>
+        <p:style>
+          <a:lnRef idx="2">
+            <a:schemeClr val="accent1">
+              <a:shade val="50000"/>
+            </a:schemeClr>
+          </a:lnRef>
+          <a:fillRef idx="1">
+            <a:schemeClr val="accent1"/>
+          </a:fillRef>
+          <a:effectRef idx="0">
+            <a:schemeClr val="accent1"/>
+          </a:effectRef>
+          <a:fontRef idx="minor">
+            <a:schemeClr val="lt1"/>
+          </a:fontRef>
+        </p:style>
+        <p:txBody>
+          <a:bodyPr rtlCol="0" anchor="ctr"/>
+          <a:p>
+            <a:pPr algn="ctr"/>
+            <a:endParaRPr lang="zh-CN" altLang="en-US"/>
+          </a:p>
+        </p:txBody>
+      </p:sp>
+      <p:sp>
+        <p:nvSpPr>
+          <p:cNvPr id="6" name="圆角矩形 5"/>
+          <p:cNvSpPr/>
+          <p:nvPr/>
+        </p:nvSpPr>
+        <p:spPr>
+          <a:xfrm>
+            <a:off x="9723755" y="2083435"/>
+            <a:ext cx="1217295" cy="317500"/>
+          </a:xfrm>
+          <a:prstGeom prst="roundRect">
+            <a:avLst/>
+          </a:prstGeom>
+          <a:noFill/>
+          <a:ln w="34925"/>
+        </p:spPr>
+        <p:style>
+          <a:lnRef idx="2">
+            <a:schemeClr val="accent1">
+              <a:shade val="50000"/>
+            </a:schemeClr>
+          </a:lnRef>
+          <a:fillRef idx="1">
+            <a:schemeClr val="accent1"/>
+          </a:fillRef>
+          <a:effectRef idx="0">
+            <a:schemeClr val="accent1"/>
+          </a:effectRef>
+          <a:fontRef idx="minor">
+            <a:schemeClr val="lt1"/>
+          </a:fontRef>
+        </p:style>
+        <p:txBody>
+          <a:bodyPr rtlCol="0" anchor="ctr"/>
+          <a:p>
+            <a:pPr algn="ctr"/>
+            <a:endParaRPr lang="zh-CN" altLang="en-US"/>
+          </a:p>
+        </p:txBody>
+      </p:sp>
+      <p:sp>
+        <p:nvSpPr>
+          <p:cNvPr id="8" name="圆角矩形 7"/>
+          <p:cNvSpPr/>
+          <p:nvPr/>
+        </p:nvSpPr>
+        <p:spPr>
+          <a:xfrm>
+            <a:off x="11069955" y="2083435"/>
+            <a:ext cx="928370" cy="317500"/>
+          </a:xfrm>
+          <a:prstGeom prst="roundRect">
+            <a:avLst/>
+          </a:prstGeom>
+          <a:noFill/>
+          <a:ln w="34925"/>
+        </p:spPr>
+        <p:style>
+          <a:lnRef idx="2">
+            <a:schemeClr val="accent1">
+              <a:shade val="50000"/>
+            </a:schemeClr>
+          </a:lnRef>
+          <a:fillRef idx="1">
+            <a:schemeClr val="accent1"/>
+          </a:fillRef>
+          <a:effectRef idx="0">
+            <a:schemeClr val="accent1"/>
+          </a:effectRef>
+          <a:fontRef idx="minor">
+            <a:schemeClr val="lt1"/>
+          </a:fontRef>
+        </p:style>
+        <p:txBody>
+          <a:bodyPr rtlCol="0" anchor="ctr"/>
+          <a:p>
+            <a:pPr algn="ctr"/>
+            <a:r>
+              <a:rPr lang="en-US" altLang="zh-CN" b="1">
+                <a:solidFill>
+                  <a:schemeClr val="tx1"/>
+                </a:solidFill>
+              </a:rPr>
+              <a:t>Search</a:t>
+            </a:r>
+            <a:endParaRPr lang="en-US" altLang="zh-CN" b="1">
+              <a:solidFill>
+                <a:schemeClr val="tx1"/>
+              </a:solidFill>
+            </a:endParaRPr>
+          </a:p>
+        </p:txBody>
+      </p:sp>
+      <p:sp>
+        <p:nvSpPr>
+          <p:cNvPr id="10" name="文本框 9"/>
+          <p:cNvSpPr txBox="1"/>
+          <p:nvPr/>
+        </p:nvSpPr>
+        <p:spPr>
+          <a:xfrm>
+            <a:off x="3958590" y="2083435"/>
+            <a:ext cx="1049655" cy="368300"/>
+          </a:xfrm>
+          <a:prstGeom prst="rect">
+            <a:avLst/>
+          </a:prstGeom>
+          <a:noFill/>
+        </p:spPr>
+        <p:txBody>
+          <a:bodyPr wrap="none" rtlCol="0" anchor="t">
+            <a:spAutoFit/>
+          </a:bodyPr>
+          <a:p>
+            <a:r>
+              <a:rPr lang="en-US" altLang="zh-CN" b="1">
+                <a:solidFill>
+                  <a:schemeClr val="tx1"/>
+                </a:solidFill>
+                <a:sym typeface="+mn-ea"/>
+              </a:rPr>
+              <a:t>My Team</a:t>
+            </a:r>
+            <a:endParaRPr lang="en-US" altLang="zh-CN" b="1">
+              <a:solidFill>
+                <a:schemeClr val="tx1"/>
+              </a:solidFill>
+              <a:sym typeface="+mn-ea"/>
+            </a:endParaRPr>
+          </a:p>
+        </p:txBody>
+      </p:sp>
+      <p:sp>
+        <p:nvSpPr>
+          <p:cNvPr id="12" name="圆角矩形 11"/>
+          <p:cNvSpPr/>
+          <p:nvPr/>
+        </p:nvSpPr>
+        <p:spPr>
+          <a:xfrm flipH="1">
+            <a:off x="5008245" y="2134235"/>
+            <a:ext cx="76200" cy="317500"/>
+          </a:xfrm>
+          <a:prstGeom prst="roundRect">
+            <a:avLst/>
+          </a:prstGeom>
+          <a:noFill/>
+          <a:ln w="34925"/>
+        </p:spPr>
+        <p:style>
+          <a:lnRef idx="2">
+            <a:schemeClr val="accent1">
+              <a:shade val="50000"/>
+            </a:schemeClr>
+          </a:lnRef>
+          <a:fillRef idx="1">
+            <a:schemeClr val="accent1"/>
+          </a:fillRef>
+          <a:effectRef idx="0">
+            <a:schemeClr val="accent1"/>
+          </a:effectRef>
+          <a:fontRef idx="minor">
+            <a:schemeClr val="lt1"/>
+          </a:fontRef>
+        </p:style>
+        <p:txBody>
+          <a:bodyPr rtlCol="0" anchor="ctr"/>
+          <a:p>
+            <a:pPr algn="ctr"/>
+            <a:endParaRPr lang="en-US" altLang="zh-CN" b="1">
+              <a:solidFill>
+                <a:schemeClr val="tx1"/>
+              </a:solidFill>
+            </a:endParaRPr>
+          </a:p>
+        </p:txBody>
+      </p:sp>
+      <p:sp>
+        <p:nvSpPr>
+          <p:cNvPr id="24" name="文本框 23"/>
+          <p:cNvSpPr txBox="1"/>
+          <p:nvPr/>
+        </p:nvSpPr>
+        <p:spPr>
+          <a:xfrm>
+            <a:off x="5084445" y="2108835"/>
+            <a:ext cx="1163320" cy="368300"/>
+          </a:xfrm>
+          <a:prstGeom prst="rect">
+            <a:avLst/>
+          </a:prstGeom>
+          <a:noFill/>
+        </p:spPr>
+        <p:txBody>
+          <a:bodyPr wrap="none" rtlCol="0" anchor="t">
+            <a:spAutoFit/>
+          </a:bodyPr>
+          <a:p>
+            <a:r>
+              <a:rPr lang="en-US" altLang="zh-CN" b="1">
+                <a:solidFill>
+                  <a:srgbClr val="FF0000"/>
+                </a:solidFill>
+                <a:sym typeface="+mn-ea"/>
+              </a:rPr>
+              <a:t>My Fellow</a:t>
+            </a:r>
+            <a:endParaRPr lang="en-US" altLang="zh-CN" b="1">
+              <a:solidFill>
+                <a:srgbClr val="FF0000"/>
+              </a:solidFill>
+              <a:sym typeface="+mn-ea"/>
+            </a:endParaRPr>
+          </a:p>
+        </p:txBody>
+      </p:sp>
+      <p:sp>
+        <p:nvSpPr>
+          <p:cNvPr id="25" name="圆角矩形 24"/>
+          <p:cNvSpPr/>
+          <p:nvPr/>
+        </p:nvSpPr>
+        <p:spPr>
+          <a:xfrm flipH="1">
+            <a:off x="6247765" y="2134235"/>
+            <a:ext cx="76200" cy="317500"/>
+          </a:xfrm>
+          <a:prstGeom prst="roundRect">
+            <a:avLst/>
+          </a:prstGeom>
+          <a:noFill/>
+          <a:ln w="34925"/>
+        </p:spPr>
+        <p:style>
+          <a:lnRef idx="2">
+            <a:schemeClr val="accent1">
+              <a:shade val="50000"/>
+            </a:schemeClr>
+          </a:lnRef>
+          <a:fillRef idx="1">
+            <a:schemeClr val="accent1"/>
+          </a:fillRef>
+          <a:effectRef idx="0">
+            <a:schemeClr val="accent1"/>
+          </a:effectRef>
+          <a:fontRef idx="minor">
+            <a:schemeClr val="lt1"/>
+          </a:fontRef>
+        </p:style>
+        <p:txBody>
+          <a:bodyPr rtlCol="0" anchor="ctr"/>
+          <a:p>
+            <a:pPr algn="ctr"/>
+            <a:endParaRPr lang="en-US" altLang="zh-CN" b="1">
+              <a:solidFill>
+                <a:schemeClr val="tx1"/>
+              </a:solidFill>
+            </a:endParaRPr>
+          </a:p>
+        </p:txBody>
+      </p:sp>
+      <p:sp>
+        <p:nvSpPr>
+          <p:cNvPr id="26" name="文本框 25"/>
+          <p:cNvSpPr txBox="1"/>
+          <p:nvPr/>
+        </p:nvSpPr>
+        <p:spPr>
+          <a:xfrm>
+            <a:off x="6398895" y="2108835"/>
+            <a:ext cx="433070" cy="368300"/>
+          </a:xfrm>
+          <a:prstGeom prst="rect">
+            <a:avLst/>
+          </a:prstGeom>
+          <a:noFill/>
+        </p:spPr>
+        <p:txBody>
+          <a:bodyPr wrap="none" rtlCol="0" anchor="t">
+            <a:spAutoFit/>
+          </a:bodyPr>
+          <a:p>
+            <a:r>
+              <a:rPr lang="en-US" altLang="zh-CN" b="1">
+                <a:sym typeface="+mn-ea"/>
+              </a:rPr>
+              <a:t>All</a:t>
+            </a:r>
+            <a:endParaRPr lang="en-US" altLang="zh-CN" b="1">
+              <a:sym typeface="+mn-ea"/>
+            </a:endParaRPr>
+          </a:p>
+        </p:txBody>
+      </p:sp>
+      <p:grpSp>
+        <p:nvGrpSpPr>
+          <p:cNvPr id="29" name="组合 28"/>
+          <p:cNvGrpSpPr/>
+          <p:nvPr/>
+        </p:nvGrpSpPr>
+        <p:grpSpPr>
+          <a:xfrm>
+            <a:off x="4194810" y="2694305"/>
+            <a:ext cx="7550150" cy="760730"/>
+            <a:chOff x="6606" y="4243"/>
+            <a:chExt cx="11890" cy="1198"/>
+          </a:xfrm>
+        </p:grpSpPr>
+        <p:sp>
+          <p:nvSpPr>
+            <p:cNvPr id="27" name="矩形 26"/>
+            <p:cNvSpPr/>
+            <p:nvPr/>
+          </p:nvSpPr>
+          <p:spPr>
+            <a:xfrm>
+              <a:off x="6606" y="4243"/>
+              <a:ext cx="11891" cy="1199"/>
+            </a:xfrm>
+            <a:prstGeom prst="rect">
+              <a:avLst/>
+            </a:prstGeom>
+            <a:noFill/>
+            <a:ln w="31750"/>
+          </p:spPr>
+          <p:style>
+            <a:lnRef idx="2">
+              <a:schemeClr val="accent1">
+                <a:shade val="50000"/>
+              </a:schemeClr>
+            </a:lnRef>
+            <a:fillRef idx="1">
+              <a:schemeClr val="accent1"/>
+            </a:fillRef>
+            <a:effectRef idx="0">
+              <a:schemeClr val="accent1"/>
+            </a:effectRef>
+            <a:fontRef idx="minor">
+              <a:schemeClr val="lt1"/>
+            </a:fontRef>
+          </p:style>
+          <p:txBody>
+            <a:bodyPr rtlCol="0" anchor="ctr"/>
+            <a:p>
+              <a:pPr algn="ctr"/>
+              <a:endParaRPr lang="zh-CN" altLang="en-US"/>
+            </a:p>
+          </p:txBody>
+        </p:sp>
+        <p:sp>
+          <p:nvSpPr>
+            <p:cNvPr id="28" name="矩形 27"/>
+            <p:cNvSpPr/>
+            <p:nvPr/>
+          </p:nvSpPr>
+          <p:spPr>
+            <a:xfrm>
+              <a:off x="6776" y="4343"/>
+              <a:ext cx="1006" cy="998"/>
+            </a:xfrm>
+            <a:prstGeom prst="rect">
+              <a:avLst/>
+            </a:prstGeom>
+            <a:noFill/>
+            <a:ln w="31750"/>
+          </p:spPr>
+          <p:style>
+            <a:lnRef idx="2">
+              <a:schemeClr val="accent1">
+                <a:shade val="50000"/>
+              </a:schemeClr>
+            </a:lnRef>
+            <a:fillRef idx="1">
+              <a:schemeClr val="accent1"/>
+            </a:fillRef>
+            <a:effectRef idx="0">
+              <a:schemeClr val="accent1"/>
+            </a:effectRef>
+            <a:fontRef idx="minor">
+              <a:schemeClr val="lt1"/>
+            </a:fontRef>
+          </p:style>
+          <p:txBody>
+            <a:bodyPr rtlCol="0" anchor="ctr"/>
+            <a:p>
+              <a:pPr algn="ctr"/>
+              <a:endParaRPr lang="zh-CN" altLang="en-US"/>
+            </a:p>
+          </p:txBody>
+        </p:sp>
+      </p:grpSp>
+      <p:grpSp>
+        <p:nvGrpSpPr>
+          <p:cNvPr id="30" name="组合 29"/>
+          <p:cNvGrpSpPr/>
+          <p:nvPr/>
+        </p:nvGrpSpPr>
+        <p:grpSpPr>
+          <a:xfrm>
+            <a:off x="4194810" y="3624580"/>
+            <a:ext cx="7550150" cy="760730"/>
+            <a:chOff x="6606" y="4243"/>
+            <a:chExt cx="11890" cy="1198"/>
+          </a:xfrm>
+        </p:grpSpPr>
+        <p:sp>
+          <p:nvSpPr>
+            <p:cNvPr id="31" name="矩形 30"/>
+            <p:cNvSpPr/>
+            <p:nvPr/>
+          </p:nvSpPr>
+          <p:spPr>
+            <a:xfrm>
+              <a:off x="6606" y="4243"/>
+              <a:ext cx="11891" cy="1199"/>
+            </a:xfrm>
+            <a:prstGeom prst="rect">
+              <a:avLst/>
+            </a:prstGeom>
+            <a:noFill/>
+            <a:ln w="31750"/>
+          </p:spPr>
+          <p:style>
+            <a:lnRef idx="2">
+              <a:schemeClr val="accent1">
+                <a:shade val="50000"/>
+              </a:schemeClr>
+            </a:lnRef>
+            <a:fillRef idx="1">
+              <a:schemeClr val="accent1"/>
+            </a:fillRef>
+            <a:effectRef idx="0">
+              <a:schemeClr val="accent1"/>
+            </a:effectRef>
+            <a:fontRef idx="minor">
+              <a:schemeClr val="lt1"/>
+            </a:fontRef>
+          </p:style>
+          <p:txBody>
+            <a:bodyPr rtlCol="0" anchor="ctr"/>
+            <a:p>
+              <a:pPr algn="ctr"/>
+              <a:endParaRPr lang="zh-CN" altLang="en-US"/>
+            </a:p>
+          </p:txBody>
+        </p:sp>
+        <p:sp>
+          <p:nvSpPr>
+            <p:cNvPr id="32" name="矩形 31"/>
+            <p:cNvSpPr/>
+            <p:nvPr/>
+          </p:nvSpPr>
+          <p:spPr>
+            <a:xfrm>
+              <a:off x="6776" y="4343"/>
+              <a:ext cx="1006" cy="998"/>
+            </a:xfrm>
+            <a:prstGeom prst="rect">
+              <a:avLst/>
+            </a:prstGeom>
+            <a:noFill/>
+            <a:ln w="31750"/>
+          </p:spPr>
+          <p:style>
+            <a:lnRef idx="2">
+              <a:schemeClr val="accent1">
+                <a:shade val="50000"/>
+              </a:schemeClr>
+            </a:lnRef>
+            <a:fillRef idx="1">
+              <a:schemeClr val="accent1"/>
+            </a:fillRef>
+            <a:effectRef idx="0">
+              <a:schemeClr val="accent1"/>
+            </a:effectRef>
+            <a:fontRef idx="minor">
+              <a:schemeClr val="lt1"/>
+            </a:fontRef>
+          </p:style>
+          <p:txBody>
+            <a:bodyPr rtlCol="0" anchor="ctr"/>
+            <a:p>
+              <a:pPr algn="ctr"/>
+              <a:endParaRPr lang="zh-CN" altLang="en-US"/>
+            </a:p>
+          </p:txBody>
+        </p:sp>
+      </p:grpSp>
+      <p:grpSp>
+        <p:nvGrpSpPr>
+          <p:cNvPr id="33" name="组合 32"/>
+          <p:cNvGrpSpPr/>
+          <p:nvPr/>
+        </p:nvGrpSpPr>
+        <p:grpSpPr>
+          <a:xfrm>
+            <a:off x="4194810" y="4552950"/>
+            <a:ext cx="7550150" cy="760730"/>
+            <a:chOff x="6606" y="4243"/>
+            <a:chExt cx="11890" cy="1198"/>
+          </a:xfrm>
+        </p:grpSpPr>
+        <p:sp>
+          <p:nvSpPr>
+            <p:cNvPr id="34" name="矩形 33"/>
+            <p:cNvSpPr/>
+            <p:nvPr/>
+          </p:nvSpPr>
+          <p:spPr>
+            <a:xfrm>
+              <a:off x="6606" y="4243"/>
+              <a:ext cx="11891" cy="1199"/>
+            </a:xfrm>
+            <a:prstGeom prst="rect">
+              <a:avLst/>
+            </a:prstGeom>
+            <a:noFill/>
+            <a:ln w="31750"/>
+          </p:spPr>
+          <p:style>
+            <a:lnRef idx="2">
+              <a:schemeClr val="accent1">
+                <a:shade val="50000"/>
+              </a:schemeClr>
+            </a:lnRef>
+            <a:fillRef idx="1">
+              <a:schemeClr val="accent1"/>
+            </a:fillRef>
+            <a:effectRef idx="0">
+              <a:schemeClr val="accent1"/>
+            </a:effectRef>
+            <a:fontRef idx="minor">
+              <a:schemeClr val="lt1"/>
+            </a:fontRef>
+          </p:style>
+          <p:txBody>
+            <a:bodyPr rtlCol="0" anchor="ctr"/>
+            <a:p>
+              <a:pPr algn="ctr"/>
+              <a:endParaRPr lang="zh-CN" altLang="en-US"/>
+            </a:p>
+          </p:txBody>
+        </p:sp>
+        <p:sp>
+          <p:nvSpPr>
+            <p:cNvPr id="35" name="矩形 34"/>
+            <p:cNvSpPr/>
+            <p:nvPr/>
+          </p:nvSpPr>
+          <p:spPr>
+            <a:xfrm>
+              <a:off x="6776" y="4343"/>
+              <a:ext cx="1006" cy="998"/>
+            </a:xfrm>
+            <a:prstGeom prst="rect">
+              <a:avLst/>
+            </a:prstGeom>
+            <a:noFill/>
+            <a:ln w="31750"/>
+          </p:spPr>
+          <p:style>
+            <a:lnRef idx="2">
+              <a:schemeClr val="accent1">
+                <a:shade val="50000"/>
+              </a:schemeClr>
+            </a:lnRef>
+            <a:fillRef idx="1">
+              <a:schemeClr val="accent1"/>
+            </a:fillRef>
+            <a:effectRef idx="0">
+              <a:schemeClr val="accent1"/>
+            </a:effectRef>
+            <a:fontRef idx="minor">
+              <a:schemeClr val="lt1"/>
+            </a:fontRef>
+          </p:style>
+          <p:txBody>
+            <a:bodyPr rtlCol="0" anchor="ctr"/>
+            <a:p>
+              <a:pPr algn="ctr"/>
+              <a:endParaRPr lang="zh-CN" altLang="en-US"/>
+            </a:p>
+          </p:txBody>
+        </p:sp>
+      </p:grpSp>
+      <p:sp>
+        <p:nvSpPr>
+          <p:cNvPr id="2" name="文本框 1"/>
+          <p:cNvSpPr txBox="1"/>
+          <p:nvPr/>
+        </p:nvSpPr>
+        <p:spPr>
+          <a:xfrm>
+            <a:off x="7037070" y="1344930"/>
+            <a:ext cx="1711960" cy="368300"/>
+          </a:xfrm>
+          <a:prstGeom prst="rect">
+            <a:avLst/>
+          </a:prstGeom>
+          <a:noFill/>
+        </p:spPr>
+        <p:txBody>
+          <a:bodyPr wrap="none" rtlCol="0" anchor="t">
+            <a:spAutoFit/>
+          </a:bodyPr>
+          <a:p>
+            <a:r>
+              <a:rPr lang="en-US" altLang="zh-CN" b="1">
+                <a:solidFill>
+                  <a:schemeClr val="tx1"/>
+                </a:solidFill>
+                <a:sym typeface="+mn-ea"/>
+              </a:rPr>
+              <a:t>Uniform Header</a:t>
+            </a:r>
+            <a:endParaRPr lang="en-US" altLang="zh-CN" b="1">
+              <a:solidFill>
+                <a:schemeClr val="tx1"/>
+              </a:solidFill>
+              <a:sym typeface="+mn-ea"/>
+            </a:endParaRPr>
+          </a:p>
+        </p:txBody>
+      </p:sp>
+    </p:spTree>
+  </p:cSld>
+  <p:clrMapOvr>
+    <a:masterClrMapping/>
+  </p:clrMapOvr>
+</p:sld>
+</file>
+
+<file path=ppt/slides/slide9.xml><?xml version="1.0" encoding="utf-8"?>
+<p:sld xmlns:a="http://schemas.openxmlformats.org/drawingml/2006/main" xmlns:r="http://schemas.openxmlformats.org/officeDocument/2006/relationships" xmlns:p="http://schemas.openxmlformats.org/presentationml/2006/main">
+  <p:cSld>
+    <p:spTree>
+      <p:nvGrpSpPr>
+        <p:cNvPr id="1" name=""/>
+        <p:cNvGrpSpPr/>
+        <p:nvPr/>
+      </p:nvGrpSpPr>
+      <p:grpSpPr/>
       <p:pic>
         <p:nvPicPr>
           <p:cNvPr id="2" name="图片 1" descr="~OF$Z@[T5@WKIX`)@KLX530"/>

--- a/pageDesign.pptx
+++ b/pageDesign.pptx
@@ -15,17 +15,19 @@
     <p:sldId id="267" r:id="rId10"/>
     <p:sldId id="271" r:id="rId11"/>
     <p:sldId id="269" r:id="rId12"/>
-    <p:sldId id="270" r:id="rId13"/>
-    <p:sldId id="276" r:id="rId14"/>
-    <p:sldId id="272" r:id="rId15"/>
-    <p:sldId id="274" r:id="rId16"/>
-    <p:sldId id="275" r:id="rId17"/>
-    <p:sldId id="273" r:id="rId18"/>
-    <p:sldId id="277" r:id="rId19"/>
-    <p:sldId id="279" r:id="rId20"/>
-    <p:sldId id="280" r:id="rId21"/>
-    <p:sldId id="281" r:id="rId22"/>
-    <p:sldId id="278" r:id="rId23"/>
+    <p:sldId id="287" r:id="rId13"/>
+    <p:sldId id="286" r:id="rId14"/>
+    <p:sldId id="270" r:id="rId15"/>
+    <p:sldId id="276" r:id="rId16"/>
+    <p:sldId id="272" r:id="rId17"/>
+    <p:sldId id="274" r:id="rId18"/>
+    <p:sldId id="275" r:id="rId19"/>
+    <p:sldId id="273" r:id="rId20"/>
+    <p:sldId id="277" r:id="rId21"/>
+    <p:sldId id="279" r:id="rId22"/>
+    <p:sldId id="280" r:id="rId23"/>
+    <p:sldId id="281" r:id="rId24"/>
+    <p:sldId id="278" r:id="rId25"/>
   </p:sldIdLst>
   <p:sldSz cx="12192000" cy="6858000"/>
   <p:notesSz cx="6858000" cy="9144000"/>
@@ -3167,6 +3169,57 @@
 </file>
 
 <file path=ppt/slides/slide10.xml><?xml version="1.0" encoding="utf-8"?>
+<p:sld xmlns:a="http://schemas.openxmlformats.org/drawingml/2006/main" xmlns:r="http://schemas.openxmlformats.org/officeDocument/2006/relationships" xmlns:p="http://schemas.openxmlformats.org/presentationml/2006/main">
+  <p:cSld>
+    <p:spTree>
+      <p:nvGrpSpPr>
+        <p:cNvPr id="1" name=""/>
+        <p:cNvGrpSpPr/>
+        <p:nvPr/>
+      </p:nvGrpSpPr>
+      <p:grpSpPr/>
+      <p:sp>
+        <p:nvSpPr>
+          <p:cNvPr id="41" name="文本框 40"/>
+          <p:cNvSpPr txBox="1"/>
+          <p:nvPr/>
+        </p:nvSpPr>
+        <p:spPr>
+          <a:xfrm>
+            <a:off x="8890" y="6350"/>
+            <a:ext cx="4734560" cy="922020"/>
+          </a:xfrm>
+          <a:prstGeom prst="rect">
+            <a:avLst/>
+          </a:prstGeom>
+          <a:noFill/>
+        </p:spPr>
+        <p:txBody>
+          <a:bodyPr wrap="none" rtlCol="0">
+            <a:spAutoFit/>
+          </a:bodyPr>
+          <a:p>
+            <a:r>
+              <a:rPr lang="en-US" altLang="zh-CN" sz="5400">
+                <a:latin typeface="Comic Sans MS" panose="030F0702030302020204" charset="0"/>
+              </a:rPr>
+              <a:t>Welcome Page</a:t>
+            </a:r>
+            <a:endParaRPr lang="en-US" altLang="zh-CN" sz="5400">
+              <a:latin typeface="Comic Sans MS" panose="030F0702030302020204" charset="0"/>
+            </a:endParaRPr>
+          </a:p>
+        </p:txBody>
+      </p:sp>
+    </p:spTree>
+  </p:cSld>
+  <p:clrMapOvr>
+    <a:masterClrMapping/>
+  </p:clrMapOvr>
+</p:sld>
+</file>
+
+<file path=ppt/slides/slide11.xml><?xml version="1.0" encoding="utf-8"?>
 <p:sld xmlns:a="http://schemas.openxmlformats.org/drawingml/2006/main" xmlns:r="http://schemas.openxmlformats.org/officeDocument/2006/relationships" xmlns:p="http://schemas.openxmlformats.org/presentationml/2006/main">
   <p:cSld>
     <p:spTree>
@@ -3776,7 +3829,58 @@
 </p:sld>
 </file>
 
-<file path=ppt/slides/slide11.xml><?xml version="1.0" encoding="utf-8"?>
+<file path=ppt/slides/slide12.xml><?xml version="1.0" encoding="utf-8"?>
+<p:sld xmlns:a="http://schemas.openxmlformats.org/drawingml/2006/main" xmlns:r="http://schemas.openxmlformats.org/officeDocument/2006/relationships" xmlns:p="http://schemas.openxmlformats.org/presentationml/2006/main">
+  <p:cSld>
+    <p:spTree>
+      <p:nvGrpSpPr>
+        <p:cNvPr id="1" name=""/>
+        <p:cNvGrpSpPr/>
+        <p:nvPr/>
+      </p:nvGrpSpPr>
+      <p:grpSpPr/>
+      <p:sp>
+        <p:nvSpPr>
+          <p:cNvPr id="41" name="文本框 40"/>
+          <p:cNvSpPr txBox="1"/>
+          <p:nvPr/>
+        </p:nvSpPr>
+        <p:spPr>
+          <a:xfrm>
+            <a:off x="8890" y="6350"/>
+            <a:ext cx="5677535" cy="922020"/>
+          </a:xfrm>
+          <a:prstGeom prst="rect">
+            <a:avLst/>
+          </a:prstGeom>
+          <a:noFill/>
+        </p:spPr>
+        <p:txBody>
+          <a:bodyPr wrap="none" rtlCol="0">
+            <a:spAutoFit/>
+          </a:bodyPr>
+          <a:p>
+            <a:r>
+              <a:rPr lang="en-US" altLang="zh-CN" sz="5400">
+                <a:latin typeface="Comic Sans MS" panose="030F0702030302020204" charset="0"/>
+              </a:rPr>
+              <a:t>Main Page Mobile</a:t>
+            </a:r>
+            <a:endParaRPr lang="en-US" altLang="zh-CN" sz="5400">
+              <a:latin typeface="Comic Sans MS" panose="030F0702030302020204" charset="0"/>
+            </a:endParaRPr>
+          </a:p>
+        </p:txBody>
+      </p:sp>
+    </p:spTree>
+  </p:cSld>
+  <p:clrMapOvr>
+    <a:masterClrMapping/>
+  </p:clrMapOvr>
+</p:sld>
+</file>
+
+<file path=ppt/slides/slide13.xml><?xml version="1.0" encoding="utf-8"?>
 <p:sld xmlns:a="http://schemas.openxmlformats.org/drawingml/2006/main" xmlns:r="http://schemas.openxmlformats.org/officeDocument/2006/relationships" xmlns:p="http://schemas.openxmlformats.org/presentationml/2006/main">
   <p:cSld>
     <p:spTree>
@@ -4318,6 +4422,39 @@
           </a:p>
         </p:txBody>
       </p:sp>
+      <p:sp>
+        <p:nvSpPr>
+          <p:cNvPr id="2" name="文本框 1"/>
+          <p:cNvSpPr txBox="1"/>
+          <p:nvPr/>
+        </p:nvSpPr>
+        <p:spPr>
+          <a:xfrm>
+            <a:off x="10005060" y="2952115"/>
+            <a:ext cx="924560" cy="306705"/>
+          </a:xfrm>
+          <a:prstGeom prst="rect">
+            <a:avLst/>
+          </a:prstGeom>
+          <a:noFill/>
+        </p:spPr>
+        <p:txBody>
+          <a:bodyPr wrap="none" rtlCol="0">
+            <a:spAutoFit/>
+          </a:bodyPr>
+          <a:p>
+            <a:r>
+              <a:rPr lang="en-US" altLang="zh-CN" sz="1400"/>
+              <a:t>Team</a:t>
+            </a:r>
+            <a:r>
+              <a:rPr lang="zh-CN" altLang="en-US" sz="1400"/>
+              <a:t>设置</a:t>
+            </a:r>
+            <a:endParaRPr lang="zh-CN" altLang="en-US" sz="1400"/>
+          </a:p>
+        </p:txBody>
+      </p:sp>
     </p:spTree>
   </p:cSld>
   <p:clrMapOvr>
@@ -4326,7 +4463,7 @@
 </p:sld>
 </file>
 
-<file path=ppt/slides/slide12.xml><?xml version="1.0" encoding="utf-8"?>
+<file path=ppt/slides/slide14.xml><?xml version="1.0" encoding="utf-8"?>
 <p:sld xmlns:a="http://schemas.openxmlformats.org/drawingml/2006/main" xmlns:r="http://schemas.openxmlformats.org/officeDocument/2006/relationships" xmlns:p="http://schemas.openxmlformats.org/presentationml/2006/main">
   <p:cSld>
     <p:spTree>
@@ -5333,7 +5470,7 @@
 </p:sld>
 </file>
 
-<file path=ppt/slides/slide13.xml><?xml version="1.0" encoding="utf-8"?>
+<file path=ppt/slides/slide15.xml><?xml version="1.0" encoding="utf-8"?>
 <p:sld xmlns:a="http://schemas.openxmlformats.org/drawingml/2006/main" xmlns:r="http://schemas.openxmlformats.org/officeDocument/2006/relationships" xmlns:p="http://schemas.openxmlformats.org/presentationml/2006/main">
   <p:cSld>
     <p:spTree>
@@ -7081,7 +7218,7 @@
 </p:sld>
 </file>
 
-<file path=ppt/slides/slide14.xml><?xml version="1.0" encoding="utf-8"?>
+<file path=ppt/slides/slide16.xml><?xml version="1.0" encoding="utf-8"?>
 <p:sld xmlns:a="http://schemas.openxmlformats.org/drawingml/2006/main" xmlns:r="http://schemas.openxmlformats.org/officeDocument/2006/relationships" xmlns:p="http://schemas.openxmlformats.org/presentationml/2006/main">
   <p:cSld>
     <p:spTree>
@@ -9161,7 +9298,7 @@
 </p:sld>
 </file>
 
-<file path=ppt/slides/slide15.xml><?xml version="1.0" encoding="utf-8"?>
+<file path=ppt/slides/slide17.xml><?xml version="1.0" encoding="utf-8"?>
 <p:sld xmlns:a="http://schemas.openxmlformats.org/drawingml/2006/main" xmlns:r="http://schemas.openxmlformats.org/officeDocument/2006/relationships" xmlns:p="http://schemas.openxmlformats.org/presentationml/2006/main">
   <p:cSld>
     <p:spTree>
@@ -9606,7 +9743,7 @@
 </p:sld>
 </file>
 
-<file path=ppt/slides/slide16.xml><?xml version="1.0" encoding="utf-8"?>
+<file path=ppt/slides/slide18.xml><?xml version="1.0" encoding="utf-8"?>
 <p:sld xmlns:a="http://schemas.openxmlformats.org/drawingml/2006/main" xmlns:r="http://schemas.openxmlformats.org/officeDocument/2006/relationships" xmlns:p="http://schemas.openxmlformats.org/presentationml/2006/main">
   <p:cSld>
     <p:spTree>
@@ -11733,7 +11870,7 @@
 </p:sld>
 </file>
 
-<file path=ppt/slides/slide17.xml><?xml version="1.0" encoding="utf-8"?>
+<file path=ppt/slides/slide19.xml><?xml version="1.0" encoding="utf-8"?>
 <p:sld xmlns:a="http://schemas.openxmlformats.org/drawingml/2006/main" xmlns:r="http://schemas.openxmlformats.org/officeDocument/2006/relationships" xmlns:p="http://schemas.openxmlformats.org/presentationml/2006/main">
   <p:cSld>
     <p:spTree>
@@ -13610,7 +13747,111 @@
 </p:sld>
 </file>
 
-<file path=ppt/slides/slide18.xml><?xml version="1.0" encoding="utf-8"?>
+<file path=ppt/slides/slide2.xml><?xml version="1.0" encoding="utf-8"?>
+<p:sld xmlns:a="http://schemas.openxmlformats.org/drawingml/2006/main" xmlns:r="http://schemas.openxmlformats.org/officeDocument/2006/relationships" xmlns:p="http://schemas.openxmlformats.org/presentationml/2006/main">
+  <p:cSld>
+    <p:spTree>
+      <p:nvGrpSpPr>
+        <p:cNvPr id="1" name=""/>
+        <p:cNvGrpSpPr/>
+        <p:nvPr/>
+      </p:nvGrpSpPr>
+      <p:grpSpPr/>
+      <p:sp>
+        <p:nvSpPr>
+          <p:cNvPr id="11" name="文本框 10"/>
+          <p:cNvSpPr txBox="1"/>
+          <p:nvPr/>
+        </p:nvSpPr>
+        <p:spPr>
+          <a:xfrm>
+            <a:off x="8890" y="6350"/>
+            <a:ext cx="3761105" cy="922020"/>
+          </a:xfrm>
+          <a:prstGeom prst="rect">
+            <a:avLst/>
+          </a:prstGeom>
+          <a:noFill/>
+        </p:spPr>
+        <p:txBody>
+          <a:bodyPr wrap="none" rtlCol="0">
+            <a:spAutoFit/>
+          </a:bodyPr>
+          <a:p>
+            <a:r>
+              <a:rPr lang="en-US" altLang="zh-CN" sz="5400">
+                <a:latin typeface="Comic Sans MS" panose="030F0702030302020204" charset="0"/>
+              </a:rPr>
+              <a:t>Team Logic</a:t>
+            </a:r>
+            <a:endParaRPr lang="en-US" altLang="zh-CN" sz="5400">
+              <a:latin typeface="Comic Sans MS" panose="030F0702030302020204" charset="0"/>
+            </a:endParaRPr>
+          </a:p>
+        </p:txBody>
+      </p:sp>
+      <p:sp>
+        <p:nvSpPr>
+          <p:cNvPr id="10" name="圆角矩形 9"/>
+          <p:cNvSpPr/>
+          <p:nvPr/>
+        </p:nvSpPr>
+        <p:spPr>
+          <a:xfrm>
+            <a:off x="2195195" y="2900680"/>
+            <a:ext cx="1353820" cy="720090"/>
+          </a:xfrm>
+          <a:prstGeom prst="roundRect">
+            <a:avLst/>
+          </a:prstGeom>
+          <a:noFill/>
+          <a:ln w="34925"/>
+        </p:spPr>
+        <p:style>
+          <a:lnRef idx="2">
+            <a:schemeClr val="accent1">
+              <a:shade val="50000"/>
+            </a:schemeClr>
+          </a:lnRef>
+          <a:fillRef idx="1">
+            <a:schemeClr val="accent1"/>
+          </a:fillRef>
+          <a:effectRef idx="0">
+            <a:schemeClr val="accent1"/>
+          </a:effectRef>
+          <a:fontRef idx="minor">
+            <a:schemeClr val="lt1"/>
+          </a:fontRef>
+        </p:style>
+        <p:txBody>
+          <a:bodyPr rtlCol="0" anchor="ctr"/>
+          <a:p>
+            <a:pPr algn="ctr"/>
+            <a:r>
+              <a:rPr lang="en-US" altLang="zh-CN" b="1">
+                <a:solidFill>
+                  <a:schemeClr val="tx1"/>
+                </a:solidFill>
+              </a:rPr>
+              <a:t>Team</a:t>
+            </a:r>
+            <a:endParaRPr lang="en-US" altLang="zh-CN" b="1">
+              <a:solidFill>
+                <a:schemeClr val="tx1"/>
+              </a:solidFill>
+            </a:endParaRPr>
+          </a:p>
+        </p:txBody>
+      </p:sp>
+    </p:spTree>
+  </p:cSld>
+  <p:clrMapOvr>
+    <a:masterClrMapping/>
+  </p:clrMapOvr>
+</p:sld>
+</file>
+
+<file path=ppt/slides/slide20.xml><?xml version="1.0" encoding="utf-8"?>
 <p:sld xmlns:a="http://schemas.openxmlformats.org/drawingml/2006/main" xmlns:r="http://schemas.openxmlformats.org/officeDocument/2006/relationships" xmlns:p="http://schemas.openxmlformats.org/presentationml/2006/main">
   <p:cSld>
     <p:spTree>
@@ -15186,7 +15427,7 @@
 </p:sld>
 </file>
 
-<file path=ppt/slides/slide19.xml><?xml version="1.0" encoding="utf-8"?>
+<file path=ppt/slides/slide21.xml><?xml version="1.0" encoding="utf-8"?>
 <p:sld xmlns:a="http://schemas.openxmlformats.org/drawingml/2006/main" xmlns:r="http://schemas.openxmlformats.org/officeDocument/2006/relationships" xmlns:p="http://schemas.openxmlformats.org/presentationml/2006/main">
   <p:cSld>
     <p:spTree>
@@ -16433,111 +16674,7 @@
 </p:sld>
 </file>
 
-<file path=ppt/slides/slide2.xml><?xml version="1.0" encoding="utf-8"?>
-<p:sld xmlns:a="http://schemas.openxmlformats.org/drawingml/2006/main" xmlns:r="http://schemas.openxmlformats.org/officeDocument/2006/relationships" xmlns:p="http://schemas.openxmlformats.org/presentationml/2006/main">
-  <p:cSld>
-    <p:spTree>
-      <p:nvGrpSpPr>
-        <p:cNvPr id="1" name=""/>
-        <p:cNvGrpSpPr/>
-        <p:nvPr/>
-      </p:nvGrpSpPr>
-      <p:grpSpPr/>
-      <p:sp>
-        <p:nvSpPr>
-          <p:cNvPr id="11" name="文本框 10"/>
-          <p:cNvSpPr txBox="1"/>
-          <p:nvPr/>
-        </p:nvSpPr>
-        <p:spPr>
-          <a:xfrm>
-            <a:off x="8890" y="6350"/>
-            <a:ext cx="3761105" cy="922020"/>
-          </a:xfrm>
-          <a:prstGeom prst="rect">
-            <a:avLst/>
-          </a:prstGeom>
-          <a:noFill/>
-        </p:spPr>
-        <p:txBody>
-          <a:bodyPr wrap="none" rtlCol="0">
-            <a:spAutoFit/>
-          </a:bodyPr>
-          <a:p>
-            <a:r>
-              <a:rPr lang="en-US" altLang="zh-CN" sz="5400">
-                <a:latin typeface="Comic Sans MS" panose="030F0702030302020204" charset="0"/>
-              </a:rPr>
-              <a:t>Team Logic</a:t>
-            </a:r>
-            <a:endParaRPr lang="en-US" altLang="zh-CN" sz="5400">
-              <a:latin typeface="Comic Sans MS" panose="030F0702030302020204" charset="0"/>
-            </a:endParaRPr>
-          </a:p>
-        </p:txBody>
-      </p:sp>
-      <p:sp>
-        <p:nvSpPr>
-          <p:cNvPr id="10" name="圆角矩形 9"/>
-          <p:cNvSpPr/>
-          <p:nvPr/>
-        </p:nvSpPr>
-        <p:spPr>
-          <a:xfrm>
-            <a:off x="2195195" y="2900680"/>
-            <a:ext cx="1353820" cy="720090"/>
-          </a:xfrm>
-          <a:prstGeom prst="roundRect">
-            <a:avLst/>
-          </a:prstGeom>
-          <a:noFill/>
-          <a:ln w="34925"/>
-        </p:spPr>
-        <p:style>
-          <a:lnRef idx="2">
-            <a:schemeClr val="accent1">
-              <a:shade val="50000"/>
-            </a:schemeClr>
-          </a:lnRef>
-          <a:fillRef idx="1">
-            <a:schemeClr val="accent1"/>
-          </a:fillRef>
-          <a:effectRef idx="0">
-            <a:schemeClr val="accent1"/>
-          </a:effectRef>
-          <a:fontRef idx="minor">
-            <a:schemeClr val="lt1"/>
-          </a:fontRef>
-        </p:style>
-        <p:txBody>
-          <a:bodyPr rtlCol="0" anchor="ctr"/>
-          <a:p>
-            <a:pPr algn="ctr"/>
-            <a:r>
-              <a:rPr lang="en-US" altLang="zh-CN" b="1">
-                <a:solidFill>
-                  <a:schemeClr val="tx1"/>
-                </a:solidFill>
-              </a:rPr>
-              <a:t>Team</a:t>
-            </a:r>
-            <a:endParaRPr lang="en-US" altLang="zh-CN" b="1">
-              <a:solidFill>
-                <a:schemeClr val="tx1"/>
-              </a:solidFill>
-            </a:endParaRPr>
-          </a:p>
-        </p:txBody>
-      </p:sp>
-    </p:spTree>
-  </p:cSld>
-  <p:clrMapOvr>
-    <a:masterClrMapping/>
-  </p:clrMapOvr>
-</p:sld>
-</file>
-
-<file path=ppt/slides/slide20.xml><?xml version="1.0" encoding="utf-8"?>
+<file path=ppt/slides/slide22.xml><?xml version="1.0" encoding="utf-8"?>
 <p:sld xmlns:a="http://schemas.openxmlformats.org/drawingml/2006/main" xmlns:r="http://schemas.openxmlformats.org/officeDocument/2006/relationships" xmlns:p="http://schemas.openxmlformats.org/presentationml/2006/main">
   <p:cSld>
     <p:spTree>
@@ -17718,7 +17855,7 @@
 </p:sld>
 </file>
 
-<file path=ppt/slides/slide21.xml><?xml version="1.0" encoding="utf-8"?>
+<file path=ppt/slides/slide23.xml><?xml version="1.0" encoding="utf-8"?>
 <p:sld xmlns:a="http://schemas.openxmlformats.org/drawingml/2006/main" xmlns:r="http://schemas.openxmlformats.org/officeDocument/2006/relationships" xmlns:p="http://schemas.openxmlformats.org/presentationml/2006/main">
   <p:cSld>
     <p:spTree>
